--- a/Documentation/MastersDefense.pptx
+++ b/Documentation/MastersDefense.pptx
@@ -4,6 +4,9 @@
   <p:sldMasterIdLst>
     <p:sldMasterId id="2147483829" r:id="rId1"/>
   </p:sldMasterIdLst>
+  <p:notesMasterIdLst>
+    <p:notesMasterId r:id="rId9"/>
+  </p:notesMasterIdLst>
   <p:sldIdLst>
     <p:sldId id="256" r:id="rId2"/>
     <p:sldId id="257" r:id="rId3"/>
@@ -111,6 +114,452 @@
     </a:lvl9pPr>
   </p:defaultTextStyle>
 </p:presentation>
+</file>
+
+<file path=ppt/notesMasters/notesMaster1.xml><?xml version="1.0" encoding="utf-8"?>
+<p:notesMaster xmlns:a="http://schemas.openxmlformats.org/drawingml/2006/main" xmlns:r="http://schemas.openxmlformats.org/officeDocument/2006/relationships" xmlns:p="http://schemas.openxmlformats.org/presentationml/2006/main">
+  <p:cSld>
+    <p:bg>
+      <p:bgRef idx="1001">
+        <a:schemeClr val="bg1"/>
+      </p:bgRef>
+    </p:bg>
+    <p:spTree>
+      <p:nvGrpSpPr>
+        <p:cNvPr id="1" name=""/>
+        <p:cNvGrpSpPr/>
+        <p:nvPr/>
+      </p:nvGrpSpPr>
+      <p:grpSpPr>
+        <a:xfrm>
+          <a:off x="0" y="0"/>
+          <a:ext cx="0" cy="0"/>
+          <a:chOff x="0" y="0"/>
+          <a:chExt cx="0" cy="0"/>
+        </a:xfrm>
+      </p:grpSpPr>
+      <p:sp>
+        <p:nvSpPr>
+          <p:cNvPr id="2" name="Header Placeholder 1"/>
+          <p:cNvSpPr>
+            <a:spLocks noGrp="1"/>
+          </p:cNvSpPr>
+          <p:nvPr>
+            <p:ph type="hdr" sz="quarter"/>
+          </p:nvPr>
+        </p:nvSpPr>
+        <p:spPr>
+          <a:xfrm>
+            <a:off x="0" y="0"/>
+            <a:ext cx="3038475" cy="465138"/>
+          </a:xfrm>
+          <a:prstGeom prst="rect">
+            <a:avLst/>
+          </a:prstGeom>
+        </p:spPr>
+        <p:txBody>
+          <a:bodyPr vert="horz" lIns="91440" tIns="45720" rIns="91440" bIns="45720" rtlCol="0"/>
+          <a:lstStyle>
+            <a:lvl1pPr algn="l">
+              <a:defRPr sz="1200"/>
+            </a:lvl1pPr>
+          </a:lstStyle>
+          <a:p>
+            <a:endParaRPr lang="en-US"/>
+          </a:p>
+        </p:txBody>
+      </p:sp>
+      <p:sp>
+        <p:nvSpPr>
+          <p:cNvPr id="3" name="Date Placeholder 2"/>
+          <p:cNvSpPr>
+            <a:spLocks noGrp="1"/>
+          </p:cNvSpPr>
+          <p:nvPr>
+            <p:ph type="dt" idx="1"/>
+          </p:nvPr>
+        </p:nvSpPr>
+        <p:spPr>
+          <a:xfrm>
+            <a:off x="3970338" y="0"/>
+            <a:ext cx="3038475" cy="465138"/>
+          </a:xfrm>
+          <a:prstGeom prst="rect">
+            <a:avLst/>
+          </a:prstGeom>
+        </p:spPr>
+        <p:txBody>
+          <a:bodyPr vert="horz" lIns="91440" tIns="45720" rIns="91440" bIns="45720" rtlCol="0"/>
+          <a:lstStyle>
+            <a:lvl1pPr algn="r">
+              <a:defRPr sz="1200"/>
+            </a:lvl1pPr>
+          </a:lstStyle>
+          <a:p>
+            <a:fld id="{E309341D-C20D-2344-BCDB-57F16B411F69}" type="datetimeFigureOut">
+              <a:rPr lang="en-US" smtClean="0"/>
+              <a:t>3/30/16</a:t>
+            </a:fld>
+            <a:endParaRPr lang="en-US"/>
+          </a:p>
+        </p:txBody>
+      </p:sp>
+      <p:sp>
+        <p:nvSpPr>
+          <p:cNvPr id="4" name="Slide Image Placeholder 3"/>
+          <p:cNvSpPr>
+            <a:spLocks noGrp="1" noRot="1" noChangeAspect="1"/>
+          </p:cNvSpPr>
+          <p:nvPr>
+            <p:ph type="sldImg" idx="2"/>
+          </p:nvPr>
+        </p:nvSpPr>
+        <p:spPr>
+          <a:xfrm>
+            <a:off x="1181100" y="696913"/>
+            <a:ext cx="4648200" cy="3486150"/>
+          </a:xfrm>
+          <a:prstGeom prst="rect">
+            <a:avLst/>
+          </a:prstGeom>
+          <a:noFill/>
+          <a:ln w="12700">
+            <a:solidFill>
+              <a:prstClr val="black"/>
+            </a:solidFill>
+          </a:ln>
+        </p:spPr>
+        <p:txBody>
+          <a:bodyPr vert="horz" lIns="91440" tIns="45720" rIns="91440" bIns="45720" rtlCol="0" anchor="ctr"/>
+          <a:lstStyle/>
+          <a:p>
+            <a:endParaRPr lang="en-US"/>
+          </a:p>
+        </p:txBody>
+      </p:sp>
+      <p:sp>
+        <p:nvSpPr>
+          <p:cNvPr id="5" name="Notes Placeholder 4"/>
+          <p:cNvSpPr>
+            <a:spLocks noGrp="1"/>
+          </p:cNvSpPr>
+          <p:nvPr>
+            <p:ph type="body" sz="quarter" idx="3"/>
+          </p:nvPr>
+        </p:nvSpPr>
+        <p:spPr>
+          <a:xfrm>
+            <a:off x="701675" y="4416425"/>
+            <a:ext cx="5607050" cy="4183063"/>
+          </a:xfrm>
+          <a:prstGeom prst="rect">
+            <a:avLst/>
+          </a:prstGeom>
+        </p:spPr>
+        <p:txBody>
+          <a:bodyPr vert="horz" lIns="91440" tIns="45720" rIns="91440" bIns="45720" rtlCol="0"/>
+          <a:lstStyle/>
+          <a:p>
+            <a:pPr lvl="0"/>
+            <a:r>
+              <a:rPr lang="en-US" smtClean="0"/>
+              <a:t>Click to edit Master text styles</a:t>
+            </a:r>
+          </a:p>
+          <a:p>
+            <a:pPr lvl="1"/>
+            <a:r>
+              <a:rPr lang="en-US" smtClean="0"/>
+              <a:t>Second level</a:t>
+            </a:r>
+          </a:p>
+          <a:p>
+            <a:pPr lvl="2"/>
+            <a:r>
+              <a:rPr lang="en-US" smtClean="0"/>
+              <a:t>Third level</a:t>
+            </a:r>
+          </a:p>
+          <a:p>
+            <a:pPr lvl="3"/>
+            <a:r>
+              <a:rPr lang="en-US" smtClean="0"/>
+              <a:t>Fourth level</a:t>
+            </a:r>
+          </a:p>
+          <a:p>
+            <a:pPr lvl="4"/>
+            <a:r>
+              <a:rPr lang="en-US" smtClean="0"/>
+              <a:t>Fifth level</a:t>
+            </a:r>
+            <a:endParaRPr lang="en-US"/>
+          </a:p>
+        </p:txBody>
+      </p:sp>
+      <p:sp>
+        <p:nvSpPr>
+          <p:cNvPr id="6" name="Footer Placeholder 5"/>
+          <p:cNvSpPr>
+            <a:spLocks noGrp="1"/>
+          </p:cNvSpPr>
+          <p:nvPr>
+            <p:ph type="ftr" sz="quarter" idx="4"/>
+          </p:nvPr>
+        </p:nvSpPr>
+        <p:spPr>
+          <a:xfrm>
+            <a:off x="0" y="8829675"/>
+            <a:ext cx="3038475" cy="465138"/>
+          </a:xfrm>
+          <a:prstGeom prst="rect">
+            <a:avLst/>
+          </a:prstGeom>
+        </p:spPr>
+        <p:txBody>
+          <a:bodyPr vert="horz" lIns="91440" tIns="45720" rIns="91440" bIns="45720" rtlCol="0" anchor="b"/>
+          <a:lstStyle>
+            <a:lvl1pPr algn="l">
+              <a:defRPr sz="1200"/>
+            </a:lvl1pPr>
+          </a:lstStyle>
+          <a:p>
+            <a:endParaRPr lang="en-US"/>
+          </a:p>
+        </p:txBody>
+      </p:sp>
+      <p:sp>
+        <p:nvSpPr>
+          <p:cNvPr id="7" name="Slide Number Placeholder 6"/>
+          <p:cNvSpPr>
+            <a:spLocks noGrp="1"/>
+          </p:cNvSpPr>
+          <p:nvPr>
+            <p:ph type="sldNum" sz="quarter" idx="5"/>
+          </p:nvPr>
+        </p:nvSpPr>
+        <p:spPr>
+          <a:xfrm>
+            <a:off x="3970338" y="8829675"/>
+            <a:ext cx="3038475" cy="465138"/>
+          </a:xfrm>
+          <a:prstGeom prst="rect">
+            <a:avLst/>
+          </a:prstGeom>
+        </p:spPr>
+        <p:txBody>
+          <a:bodyPr vert="horz" lIns="91440" tIns="45720" rIns="91440" bIns="45720" rtlCol="0" anchor="b"/>
+          <a:lstStyle>
+            <a:lvl1pPr algn="r">
+              <a:defRPr sz="1200"/>
+            </a:lvl1pPr>
+          </a:lstStyle>
+          <a:p>
+            <a:fld id="{C13B6488-2248-B64B-BC33-DF2A17950858}" type="slidenum">
+              <a:rPr lang="en-US" smtClean="0"/>
+              <a:t>‹#›</a:t>
+            </a:fld>
+            <a:endParaRPr lang="en-US"/>
+          </a:p>
+        </p:txBody>
+      </p:sp>
+    </p:spTree>
+    <p:extLst>
+      <p:ext uri="{BB962C8B-B14F-4D97-AF65-F5344CB8AC3E}">
+        <p14:creationId xmlns:p14="http://schemas.microsoft.com/office/powerpoint/2010/main" val="1542605125"/>
+      </p:ext>
+    </p:extLst>
+  </p:cSld>
+  <p:clrMap bg1="lt1" tx1="dk1" bg2="lt2" tx2="dk2" accent1="accent1" accent2="accent2" accent3="accent3" accent4="accent4" accent5="accent5" accent6="accent6" hlink="hlink" folHlink="folHlink"/>
+  <p:notesStyle>
+    <a:lvl1pPr marL="0" algn="l" defTabSz="457200" rtl="0" eaLnBrk="1" latinLnBrk="0" hangingPunct="1">
+      <a:defRPr sz="1200" kern="1200">
+        <a:solidFill>
+          <a:schemeClr val="tx1"/>
+        </a:solidFill>
+        <a:latin typeface="+mn-lt"/>
+        <a:ea typeface="+mn-ea"/>
+        <a:cs typeface="+mn-cs"/>
+      </a:defRPr>
+    </a:lvl1pPr>
+    <a:lvl2pPr marL="457200" algn="l" defTabSz="457200" rtl="0" eaLnBrk="1" latinLnBrk="0" hangingPunct="1">
+      <a:defRPr sz="1200" kern="1200">
+        <a:solidFill>
+          <a:schemeClr val="tx1"/>
+        </a:solidFill>
+        <a:latin typeface="+mn-lt"/>
+        <a:ea typeface="+mn-ea"/>
+        <a:cs typeface="+mn-cs"/>
+      </a:defRPr>
+    </a:lvl2pPr>
+    <a:lvl3pPr marL="914400" algn="l" defTabSz="457200" rtl="0" eaLnBrk="1" latinLnBrk="0" hangingPunct="1">
+      <a:defRPr sz="1200" kern="1200">
+        <a:solidFill>
+          <a:schemeClr val="tx1"/>
+        </a:solidFill>
+        <a:latin typeface="+mn-lt"/>
+        <a:ea typeface="+mn-ea"/>
+        <a:cs typeface="+mn-cs"/>
+      </a:defRPr>
+    </a:lvl3pPr>
+    <a:lvl4pPr marL="1371600" algn="l" defTabSz="457200" rtl="0" eaLnBrk="1" latinLnBrk="0" hangingPunct="1">
+      <a:defRPr sz="1200" kern="1200">
+        <a:solidFill>
+          <a:schemeClr val="tx1"/>
+        </a:solidFill>
+        <a:latin typeface="+mn-lt"/>
+        <a:ea typeface="+mn-ea"/>
+        <a:cs typeface="+mn-cs"/>
+      </a:defRPr>
+    </a:lvl4pPr>
+    <a:lvl5pPr marL="1828800" algn="l" defTabSz="457200" rtl="0" eaLnBrk="1" latinLnBrk="0" hangingPunct="1">
+      <a:defRPr sz="1200" kern="1200">
+        <a:solidFill>
+          <a:schemeClr val="tx1"/>
+        </a:solidFill>
+        <a:latin typeface="+mn-lt"/>
+        <a:ea typeface="+mn-ea"/>
+        <a:cs typeface="+mn-cs"/>
+      </a:defRPr>
+    </a:lvl5pPr>
+    <a:lvl6pPr marL="2286000" algn="l" defTabSz="457200" rtl="0" eaLnBrk="1" latinLnBrk="0" hangingPunct="1">
+      <a:defRPr sz="1200" kern="1200">
+        <a:solidFill>
+          <a:schemeClr val="tx1"/>
+        </a:solidFill>
+        <a:latin typeface="+mn-lt"/>
+        <a:ea typeface="+mn-ea"/>
+        <a:cs typeface="+mn-cs"/>
+      </a:defRPr>
+    </a:lvl6pPr>
+    <a:lvl7pPr marL="2743200" algn="l" defTabSz="457200" rtl="0" eaLnBrk="1" latinLnBrk="0" hangingPunct="1">
+      <a:defRPr sz="1200" kern="1200">
+        <a:solidFill>
+          <a:schemeClr val="tx1"/>
+        </a:solidFill>
+        <a:latin typeface="+mn-lt"/>
+        <a:ea typeface="+mn-ea"/>
+        <a:cs typeface="+mn-cs"/>
+      </a:defRPr>
+    </a:lvl7pPr>
+    <a:lvl8pPr marL="3200400" algn="l" defTabSz="457200" rtl="0" eaLnBrk="1" latinLnBrk="0" hangingPunct="1">
+      <a:defRPr sz="1200" kern="1200">
+        <a:solidFill>
+          <a:schemeClr val="tx1"/>
+        </a:solidFill>
+        <a:latin typeface="+mn-lt"/>
+        <a:ea typeface="+mn-ea"/>
+        <a:cs typeface="+mn-cs"/>
+      </a:defRPr>
+    </a:lvl8pPr>
+    <a:lvl9pPr marL="3657600" algn="l" defTabSz="457200" rtl="0" eaLnBrk="1" latinLnBrk="0" hangingPunct="1">
+      <a:defRPr sz="1200" kern="1200">
+        <a:solidFill>
+          <a:schemeClr val="tx1"/>
+        </a:solidFill>
+        <a:latin typeface="+mn-lt"/>
+        <a:ea typeface="+mn-ea"/>
+        <a:cs typeface="+mn-cs"/>
+      </a:defRPr>
+    </a:lvl9pPr>
+  </p:notesStyle>
+</p:notesMaster>
+</file>
+
+<file path=ppt/notesSlides/notesSlide1.xml><?xml version="1.0" encoding="utf-8"?>
+<p:notes xmlns:a="http://schemas.openxmlformats.org/drawingml/2006/main" xmlns:r="http://schemas.openxmlformats.org/officeDocument/2006/relationships" xmlns:p="http://schemas.openxmlformats.org/presentationml/2006/main">
+  <p:cSld>
+    <p:spTree>
+      <p:nvGrpSpPr>
+        <p:cNvPr id="1" name=""/>
+        <p:cNvGrpSpPr/>
+        <p:nvPr/>
+      </p:nvGrpSpPr>
+      <p:grpSpPr>
+        <a:xfrm>
+          <a:off x="0" y="0"/>
+          <a:ext cx="0" cy="0"/>
+          <a:chOff x="0" y="0"/>
+          <a:chExt cx="0" cy="0"/>
+        </a:xfrm>
+      </p:grpSpPr>
+      <p:sp>
+        <p:nvSpPr>
+          <p:cNvPr id="2" name="Slide Image Placeholder 1"/>
+          <p:cNvSpPr>
+            <a:spLocks noGrp="1" noRot="1" noChangeAspect="1"/>
+          </p:cNvSpPr>
+          <p:nvPr>
+            <p:ph type="sldImg"/>
+          </p:nvPr>
+        </p:nvSpPr>
+        <p:spPr/>
+      </p:sp>
+      <p:sp>
+        <p:nvSpPr>
+          <p:cNvPr id="3" name="Notes Placeholder 2"/>
+          <p:cNvSpPr>
+            <a:spLocks noGrp="1"/>
+          </p:cNvSpPr>
+          <p:nvPr>
+            <p:ph type="body" idx="1"/>
+          </p:nvPr>
+        </p:nvSpPr>
+        <p:spPr/>
+        <p:txBody>
+          <a:bodyPr/>
+          <a:lstStyle/>
+          <a:p>
+            <a:r>
+              <a:rPr lang="en-US" dirty="0" smtClean="0"/>
+              <a:t>Add review of what happened</a:t>
+            </a:r>
+            <a:r>
+              <a:rPr lang="en-US" baseline="0" dirty="0" smtClean="0"/>
+              <a:t> over </a:t>
+            </a:r>
+            <a:r>
+              <a:rPr lang="en-US" baseline="0" smtClean="0"/>
+              <a:t>every iteration?</a:t>
+            </a:r>
+            <a:endParaRPr lang="en-US"/>
+          </a:p>
+        </p:txBody>
+      </p:sp>
+      <p:sp>
+        <p:nvSpPr>
+          <p:cNvPr id="4" name="Slide Number Placeholder 3"/>
+          <p:cNvSpPr>
+            <a:spLocks noGrp="1"/>
+          </p:cNvSpPr>
+          <p:nvPr>
+            <p:ph type="sldNum" sz="quarter" idx="10"/>
+          </p:nvPr>
+        </p:nvSpPr>
+        <p:spPr/>
+        <p:txBody>
+          <a:bodyPr/>
+          <a:lstStyle/>
+          <a:p>
+            <a:fld id="{C13B6488-2248-B64B-BC33-DF2A17950858}" type="slidenum">
+              <a:rPr lang="en-US" smtClean="0"/>
+              <a:t>5</a:t>
+            </a:fld>
+            <a:endParaRPr lang="en-US"/>
+          </a:p>
+        </p:txBody>
+      </p:sp>
+    </p:spTree>
+    <p:extLst>
+      <p:ext uri="{BB962C8B-B14F-4D97-AF65-F5344CB8AC3E}">
+        <p14:creationId xmlns:p14="http://schemas.microsoft.com/office/powerpoint/2010/main" val="2328308423"/>
+      </p:ext>
+    </p:extLst>
+  </p:cSld>
+  <p:clrMapOvr>
+    <a:masterClrMapping/>
+  </p:clrMapOvr>
+</p:notes>
 </file>
 
 <file path=ppt/slideLayouts/slideLayout1.xml><?xml version="1.0" encoding="utf-8"?>
@@ -5307,11 +5756,11 @@
           </p:nvPr>
         </p:nvPicPr>
         <p:blipFill>
-          <a:blip r:embed="rId2">
+          <a:blip r:embed="rId3">
             <a:extLst>
               <a:ext uri="{BEBA8EAE-BF5A-486C-A8C5-ECC9F3942E4B}">
                 <a14:imgProps xmlns:a14="http://schemas.microsoft.com/office/drawing/2010/main">
-                  <a14:imgLayer r:embed="rId3">
+                  <a14:imgLayer r:embed="rId4">
                     <a14:imgEffect>
                       <a14:sharpenSoften amount="50000"/>
                     </a14:imgEffect>
@@ -5473,11 +5922,7 @@
             </a:r>
             <a:r>
               <a:rPr lang="en-US" dirty="0" smtClean="0"/>
-              <a:t> is also useful in terms of </a:t>
-            </a:r>
-            <a:r>
-              <a:rPr lang="en-US" smtClean="0"/>
-              <a:t>tracking changes</a:t>
+              <a:t> is also useful in terms of tracking changes</a:t>
             </a:r>
             <a:endParaRPr lang="en-US" dirty="0"/>
           </a:p>
@@ -5560,11 +6005,7 @@
           <a:p>
             <a:r>
               <a:rPr lang="en-US" cap="none" dirty="0" smtClean="0"/>
-              <a:t>Prepare to be amazed</a:t>
-            </a:r>
-            <a:r>
-              <a:rPr lang="is-IS" cap="none" dirty="0" smtClean="0"/>
-              <a:t>…</a:t>
+              <a:t> </a:t>
             </a:r>
             <a:endParaRPr lang="en-US" cap="none" dirty="0"/>
           </a:p>
@@ -5906,4 +6347,324 @@
   <a:objectDefaults/>
   <a:extraClrSchemeLst/>
 </a:theme>
+</file>
+
+<file path=ppt/theme/theme2.xml><?xml version="1.0" encoding="utf-8"?>
+<a:theme xmlns:a="http://schemas.openxmlformats.org/drawingml/2006/main" name="Office Theme">
+  <a:themeElements>
+    <a:clrScheme name="Office">
+      <a:dk1>
+        <a:sysClr val="windowText" lastClr="000000"/>
+      </a:dk1>
+      <a:lt1>
+        <a:sysClr val="window" lastClr="FFFFFF"/>
+      </a:lt1>
+      <a:dk2>
+        <a:srgbClr val="1F497D"/>
+      </a:dk2>
+      <a:lt2>
+        <a:srgbClr val="EEECE1"/>
+      </a:lt2>
+      <a:accent1>
+        <a:srgbClr val="4F81BD"/>
+      </a:accent1>
+      <a:accent2>
+        <a:srgbClr val="C0504D"/>
+      </a:accent2>
+      <a:accent3>
+        <a:srgbClr val="9BBB59"/>
+      </a:accent3>
+      <a:accent4>
+        <a:srgbClr val="8064A2"/>
+      </a:accent4>
+      <a:accent5>
+        <a:srgbClr val="4BACC6"/>
+      </a:accent5>
+      <a:accent6>
+        <a:srgbClr val="F79646"/>
+      </a:accent6>
+      <a:hlink>
+        <a:srgbClr val="0000FF"/>
+      </a:hlink>
+      <a:folHlink>
+        <a:srgbClr val="800080"/>
+      </a:folHlink>
+    </a:clrScheme>
+    <a:fontScheme name="Office">
+      <a:majorFont>
+        <a:latin typeface="Calibri"/>
+        <a:ea typeface=""/>
+        <a:cs typeface=""/>
+        <a:font script="Jpan" typeface="ＭＳ Ｐゴシック"/>
+        <a:font script="Hang" typeface="맑은 고딕"/>
+        <a:font script="Hans" typeface="宋体"/>
+        <a:font script="Hant" typeface="新細明體"/>
+        <a:font script="Arab" typeface="Times New Roman"/>
+        <a:font script="Hebr" typeface="Times New Roman"/>
+        <a:font script="Thai" typeface="Angsana New"/>
+        <a:font script="Ethi" typeface="Nyala"/>
+        <a:font script="Beng" typeface="Vrinda"/>
+        <a:font script="Gujr" typeface="Shruti"/>
+        <a:font script="Khmr" typeface="MoolBoran"/>
+        <a:font script="Knda" typeface="Tunga"/>
+        <a:font script="Guru" typeface="Raavi"/>
+        <a:font script="Cans" typeface="Euphemia"/>
+        <a:font script="Cher" typeface="Plantagenet Cherokee"/>
+        <a:font script="Yiii" typeface="Microsoft Yi Baiti"/>
+        <a:font script="Tibt" typeface="Microsoft Himalaya"/>
+        <a:font script="Thaa" typeface="MV Boli"/>
+        <a:font script="Deva" typeface="Mangal"/>
+        <a:font script="Telu" typeface="Gautami"/>
+        <a:font script="Taml" typeface="Latha"/>
+        <a:font script="Syrc" typeface="Estrangelo Edessa"/>
+        <a:font script="Orya" typeface="Kalinga"/>
+        <a:font script="Mlym" typeface="Kartika"/>
+        <a:font script="Laoo" typeface="DokChampa"/>
+        <a:font script="Sinh" typeface="Iskoola Pota"/>
+        <a:font script="Mong" typeface="Mongolian Baiti"/>
+        <a:font script="Viet" typeface="Times New Roman"/>
+        <a:font script="Uigh" typeface="Microsoft Uighur"/>
+        <a:font script="Geor" typeface="Sylfaen"/>
+      </a:majorFont>
+      <a:minorFont>
+        <a:latin typeface="Calibri"/>
+        <a:ea typeface=""/>
+        <a:cs typeface=""/>
+        <a:font script="Jpan" typeface="ＭＳ Ｐゴシック"/>
+        <a:font script="Hang" typeface="맑은 고딕"/>
+        <a:font script="Hans" typeface="宋体"/>
+        <a:font script="Hant" typeface="新細明體"/>
+        <a:font script="Arab" typeface="Arial"/>
+        <a:font script="Hebr" typeface="Arial"/>
+        <a:font script="Thai" typeface="Cordia New"/>
+        <a:font script="Ethi" typeface="Nyala"/>
+        <a:font script="Beng" typeface="Vrinda"/>
+        <a:font script="Gujr" typeface="Shruti"/>
+        <a:font script="Khmr" typeface="DaunPenh"/>
+        <a:font script="Knda" typeface="Tunga"/>
+        <a:font script="Guru" typeface="Raavi"/>
+        <a:font script="Cans" typeface="Euphemia"/>
+        <a:font script="Cher" typeface="Plantagenet Cherokee"/>
+        <a:font script="Yiii" typeface="Microsoft Yi Baiti"/>
+        <a:font script="Tibt" typeface="Microsoft Himalaya"/>
+        <a:font script="Thaa" typeface="MV Boli"/>
+        <a:font script="Deva" typeface="Mangal"/>
+        <a:font script="Telu" typeface="Gautami"/>
+        <a:font script="Taml" typeface="Latha"/>
+        <a:font script="Syrc" typeface="Estrangelo Edessa"/>
+        <a:font script="Orya" typeface="Kalinga"/>
+        <a:font script="Mlym" typeface="Kartika"/>
+        <a:font script="Laoo" typeface="DokChampa"/>
+        <a:font script="Sinh" typeface="Iskoola Pota"/>
+        <a:font script="Mong" typeface="Mongolian Baiti"/>
+        <a:font script="Viet" typeface="Arial"/>
+        <a:font script="Uigh" typeface="Microsoft Uighur"/>
+        <a:font script="Geor" typeface="Sylfaen"/>
+      </a:minorFont>
+    </a:fontScheme>
+    <a:fmtScheme name="Office">
+      <a:fillStyleLst>
+        <a:solidFill>
+          <a:schemeClr val="phClr"/>
+        </a:solidFill>
+        <a:gradFill rotWithShape="1">
+          <a:gsLst>
+            <a:gs pos="0">
+              <a:schemeClr val="phClr">
+                <a:tint val="50000"/>
+                <a:satMod val="300000"/>
+              </a:schemeClr>
+            </a:gs>
+            <a:gs pos="35000">
+              <a:schemeClr val="phClr">
+                <a:tint val="37000"/>
+                <a:satMod val="300000"/>
+              </a:schemeClr>
+            </a:gs>
+            <a:gs pos="100000">
+              <a:schemeClr val="phClr">
+                <a:tint val="15000"/>
+                <a:satMod val="350000"/>
+              </a:schemeClr>
+            </a:gs>
+          </a:gsLst>
+          <a:lin ang="16200000" scaled="1"/>
+        </a:gradFill>
+        <a:gradFill rotWithShape="1">
+          <a:gsLst>
+            <a:gs pos="0">
+              <a:schemeClr val="phClr">
+                <a:tint val="100000"/>
+                <a:shade val="100000"/>
+                <a:satMod val="130000"/>
+              </a:schemeClr>
+            </a:gs>
+            <a:gs pos="100000">
+              <a:schemeClr val="phClr">
+                <a:tint val="50000"/>
+                <a:shade val="100000"/>
+                <a:satMod val="350000"/>
+              </a:schemeClr>
+            </a:gs>
+          </a:gsLst>
+          <a:lin ang="16200000" scaled="0"/>
+        </a:gradFill>
+      </a:fillStyleLst>
+      <a:lnStyleLst>
+        <a:ln w="9525" cap="flat" cmpd="sng" algn="ctr">
+          <a:solidFill>
+            <a:schemeClr val="phClr">
+              <a:shade val="95000"/>
+              <a:satMod val="105000"/>
+            </a:schemeClr>
+          </a:solidFill>
+          <a:prstDash val="solid"/>
+        </a:ln>
+        <a:ln w="25400" cap="flat" cmpd="sng" algn="ctr">
+          <a:solidFill>
+            <a:schemeClr val="phClr"/>
+          </a:solidFill>
+          <a:prstDash val="solid"/>
+        </a:ln>
+        <a:ln w="38100" cap="flat" cmpd="sng" algn="ctr">
+          <a:solidFill>
+            <a:schemeClr val="phClr"/>
+          </a:solidFill>
+          <a:prstDash val="solid"/>
+        </a:ln>
+      </a:lnStyleLst>
+      <a:effectStyleLst>
+        <a:effectStyle>
+          <a:effectLst>
+            <a:outerShdw blurRad="40000" dist="20000" dir="5400000" rotWithShape="0">
+              <a:srgbClr val="000000">
+                <a:alpha val="38000"/>
+              </a:srgbClr>
+            </a:outerShdw>
+          </a:effectLst>
+        </a:effectStyle>
+        <a:effectStyle>
+          <a:effectLst>
+            <a:outerShdw blurRad="40000" dist="23000" dir="5400000" rotWithShape="0">
+              <a:srgbClr val="000000">
+                <a:alpha val="35000"/>
+              </a:srgbClr>
+            </a:outerShdw>
+          </a:effectLst>
+        </a:effectStyle>
+        <a:effectStyle>
+          <a:effectLst>
+            <a:outerShdw blurRad="40000" dist="23000" dir="5400000" rotWithShape="0">
+              <a:srgbClr val="000000">
+                <a:alpha val="35000"/>
+              </a:srgbClr>
+            </a:outerShdw>
+          </a:effectLst>
+          <a:scene3d>
+            <a:camera prst="orthographicFront">
+              <a:rot lat="0" lon="0" rev="0"/>
+            </a:camera>
+            <a:lightRig rig="threePt" dir="t">
+              <a:rot lat="0" lon="0" rev="1200000"/>
+            </a:lightRig>
+          </a:scene3d>
+          <a:sp3d>
+            <a:bevelT w="63500" h="25400"/>
+          </a:sp3d>
+        </a:effectStyle>
+      </a:effectStyleLst>
+      <a:bgFillStyleLst>
+        <a:solidFill>
+          <a:schemeClr val="phClr"/>
+        </a:solidFill>
+        <a:gradFill rotWithShape="1">
+          <a:gsLst>
+            <a:gs pos="0">
+              <a:schemeClr val="phClr">
+                <a:tint val="40000"/>
+                <a:satMod val="350000"/>
+              </a:schemeClr>
+            </a:gs>
+            <a:gs pos="40000">
+              <a:schemeClr val="phClr">
+                <a:tint val="45000"/>
+                <a:shade val="99000"/>
+                <a:satMod val="350000"/>
+              </a:schemeClr>
+            </a:gs>
+            <a:gs pos="100000">
+              <a:schemeClr val="phClr">
+                <a:shade val="20000"/>
+                <a:satMod val="255000"/>
+              </a:schemeClr>
+            </a:gs>
+          </a:gsLst>
+          <a:path path="circle">
+            <a:fillToRect l="50000" t="-80000" r="50000" b="180000"/>
+          </a:path>
+        </a:gradFill>
+        <a:gradFill rotWithShape="1">
+          <a:gsLst>
+            <a:gs pos="0">
+              <a:schemeClr val="phClr">
+                <a:tint val="80000"/>
+                <a:satMod val="300000"/>
+              </a:schemeClr>
+            </a:gs>
+            <a:gs pos="100000">
+              <a:schemeClr val="phClr">
+                <a:shade val="30000"/>
+                <a:satMod val="200000"/>
+              </a:schemeClr>
+            </a:gs>
+          </a:gsLst>
+          <a:path path="circle">
+            <a:fillToRect l="50000" t="50000" r="50000" b="50000"/>
+          </a:path>
+        </a:gradFill>
+      </a:bgFillStyleLst>
+    </a:fmtScheme>
+  </a:themeElements>
+  <a:objectDefaults>
+    <a:spDef>
+      <a:spPr/>
+      <a:bodyPr/>
+      <a:lstStyle/>
+      <a:style>
+        <a:lnRef idx="1">
+          <a:schemeClr val="accent1"/>
+        </a:lnRef>
+        <a:fillRef idx="3">
+          <a:schemeClr val="accent1"/>
+        </a:fillRef>
+        <a:effectRef idx="2">
+          <a:schemeClr val="accent1"/>
+        </a:effectRef>
+        <a:fontRef idx="minor">
+          <a:schemeClr val="lt1"/>
+        </a:fontRef>
+      </a:style>
+    </a:spDef>
+    <a:lnDef>
+      <a:spPr/>
+      <a:bodyPr/>
+      <a:lstStyle/>
+      <a:style>
+        <a:lnRef idx="2">
+          <a:schemeClr val="accent1"/>
+        </a:lnRef>
+        <a:fillRef idx="0">
+          <a:schemeClr val="accent1"/>
+        </a:fillRef>
+        <a:effectRef idx="1">
+          <a:schemeClr val="accent1"/>
+        </a:effectRef>
+        <a:fontRef idx="minor">
+          <a:schemeClr val="tx1"/>
+        </a:fontRef>
+      </a:style>
+    </a:lnDef>
+  </a:objectDefaults>
+  <a:extraClrSchemeLst/>
+</a:theme>
 </file>
--- a/Documentation/MastersDefense.pptx
+++ b/Documentation/MastersDefense.pptx
@@ -5,16 +5,23 @@
     <p:sldMasterId id="2147483829" r:id="rId1"/>
   </p:sldMasterIdLst>
   <p:notesMasterIdLst>
-    <p:notesMasterId r:id="rId9"/>
+    <p:notesMasterId r:id="rId16"/>
   </p:notesMasterIdLst>
   <p:sldIdLst>
     <p:sldId id="256" r:id="rId2"/>
     <p:sldId id="257" r:id="rId3"/>
-    <p:sldId id="258" r:id="rId4"/>
-    <p:sldId id="262" r:id="rId5"/>
-    <p:sldId id="259" r:id="rId6"/>
-    <p:sldId id="260" r:id="rId7"/>
-    <p:sldId id="261" r:id="rId8"/>
+    <p:sldId id="265" r:id="rId4"/>
+    <p:sldId id="258" r:id="rId5"/>
+    <p:sldId id="262" r:id="rId6"/>
+    <p:sldId id="259" r:id="rId7"/>
+    <p:sldId id="263" r:id="rId8"/>
+    <p:sldId id="264" r:id="rId9"/>
+    <p:sldId id="266" r:id="rId10"/>
+    <p:sldId id="267" r:id="rId11"/>
+    <p:sldId id="268" r:id="rId12"/>
+    <p:sldId id="260" r:id="rId13"/>
+    <p:sldId id="261" r:id="rId14"/>
+    <p:sldId id="269" r:id="rId15"/>
   </p:sldIdLst>
   <p:sldSz cx="9144000" cy="6858000" type="screen4x3"/>
   <p:notesSz cx="7010400" cy="9296400"/>
@@ -510,19 +517,859 @@
           <a:bodyPr/>
           <a:lstStyle/>
           <a:p>
+            <a:endParaRPr lang="en-US"/>
+          </a:p>
+        </p:txBody>
+      </p:sp>
+      <p:sp>
+        <p:nvSpPr>
+          <p:cNvPr id="4" name="Slide Number Placeholder 3"/>
+          <p:cNvSpPr>
+            <a:spLocks noGrp="1"/>
+          </p:cNvSpPr>
+          <p:nvPr>
+            <p:ph type="sldNum" sz="quarter" idx="10"/>
+          </p:nvPr>
+        </p:nvSpPr>
+        <p:spPr/>
+        <p:txBody>
+          <a:bodyPr/>
+          <a:lstStyle/>
+          <a:p>
+            <a:fld id="{C13B6488-2248-B64B-BC33-DF2A17950858}" type="slidenum">
+              <a:rPr lang="en-US" smtClean="0"/>
+              <a:t>1</a:t>
+            </a:fld>
+            <a:endParaRPr lang="en-US"/>
+          </a:p>
+        </p:txBody>
+      </p:sp>
+    </p:spTree>
+    <p:extLst>
+      <p:ext uri="{BB962C8B-B14F-4D97-AF65-F5344CB8AC3E}">
+        <p14:creationId xmlns:p14="http://schemas.microsoft.com/office/powerpoint/2010/main" val="490577831"/>
+      </p:ext>
+    </p:extLst>
+  </p:cSld>
+  <p:clrMapOvr>
+    <a:masterClrMapping/>
+  </p:clrMapOvr>
+</p:notes>
+</file>
+
+<file path=ppt/notesSlides/notesSlide10.xml><?xml version="1.0" encoding="utf-8"?>
+<p:notes xmlns:a="http://schemas.openxmlformats.org/drawingml/2006/main" xmlns:r="http://schemas.openxmlformats.org/officeDocument/2006/relationships" xmlns:p="http://schemas.openxmlformats.org/presentationml/2006/main">
+  <p:cSld>
+    <p:spTree>
+      <p:nvGrpSpPr>
+        <p:cNvPr id="1" name=""/>
+        <p:cNvGrpSpPr/>
+        <p:nvPr/>
+      </p:nvGrpSpPr>
+      <p:grpSpPr>
+        <a:xfrm>
+          <a:off x="0" y="0"/>
+          <a:ext cx="0" cy="0"/>
+          <a:chOff x="0" y="0"/>
+          <a:chExt cx="0" cy="0"/>
+        </a:xfrm>
+      </p:grpSpPr>
+      <p:sp>
+        <p:nvSpPr>
+          <p:cNvPr id="2" name="Slide Image Placeholder 1"/>
+          <p:cNvSpPr>
+            <a:spLocks noGrp="1" noRot="1" noChangeAspect="1"/>
+          </p:cNvSpPr>
+          <p:nvPr>
+            <p:ph type="sldImg"/>
+          </p:nvPr>
+        </p:nvSpPr>
+        <p:spPr/>
+      </p:sp>
+      <p:sp>
+        <p:nvSpPr>
+          <p:cNvPr id="3" name="Notes Placeholder 2"/>
+          <p:cNvSpPr>
+            <a:spLocks noGrp="1"/>
+          </p:cNvSpPr>
+          <p:nvPr>
+            <p:ph type="body" idx="1"/>
+          </p:nvPr>
+        </p:nvSpPr>
+        <p:spPr/>
+        <p:txBody>
+          <a:bodyPr/>
+          <a:lstStyle/>
+          <a:p>
+            <a:pPr marL="171450" indent="-171450">
+              <a:buFont typeface="Arial"/>
+              <a:buChar char="•"/>
+            </a:pPr>
+            <a:r>
+              <a:rPr lang="en-US" dirty="0" smtClean="0"/>
+              <a:t>Issue encoded images having the secret revealed in the gray</a:t>
+            </a:r>
+            <a:r>
+              <a:rPr lang="en-US" baseline="0" dirty="0" smtClean="0"/>
+              <a:t> scale images</a:t>
+            </a:r>
+          </a:p>
+          <a:p>
+            <a:pPr marL="0" indent="0">
+              <a:buFont typeface="Arial"/>
+              <a:buNone/>
+            </a:pPr>
+            <a:endParaRPr lang="en-US" baseline="0" dirty="0" smtClean="0"/>
+          </a:p>
+          <a:p>
+            <a:pPr marL="171450" indent="-171450">
+              <a:buFont typeface="Arial"/>
+              <a:buChar char="•"/>
+            </a:pPr>
+            <a:r>
+              <a:rPr lang="en-US" baseline="0" dirty="0" smtClean="0"/>
+              <a:t>With color images, the encoded images did not have the same meaning as the covers they inherited from</a:t>
+            </a:r>
+          </a:p>
+          <a:p>
+            <a:pPr marL="171450" indent="-171450">
+              <a:buFont typeface="Arial"/>
+              <a:buChar char="•"/>
+            </a:pPr>
+            <a:r>
+              <a:rPr lang="en-US" baseline="0" dirty="0" smtClean="0"/>
+              <a:t>Also, the decryption did not reveal the secret</a:t>
+            </a:r>
+            <a:endParaRPr lang="en-US" dirty="0"/>
+          </a:p>
+        </p:txBody>
+      </p:sp>
+      <p:sp>
+        <p:nvSpPr>
+          <p:cNvPr id="4" name="Slide Number Placeholder 3"/>
+          <p:cNvSpPr>
+            <a:spLocks noGrp="1"/>
+          </p:cNvSpPr>
+          <p:nvPr>
+            <p:ph type="sldNum" sz="quarter" idx="10"/>
+          </p:nvPr>
+        </p:nvSpPr>
+        <p:spPr/>
+        <p:txBody>
+          <a:bodyPr/>
+          <a:lstStyle/>
+          <a:p>
+            <a:fld id="{C13B6488-2248-B64B-BC33-DF2A17950858}" type="slidenum">
+              <a:rPr lang="en-US" smtClean="0"/>
+              <a:t>10</a:t>
+            </a:fld>
+            <a:endParaRPr lang="en-US"/>
+          </a:p>
+        </p:txBody>
+      </p:sp>
+    </p:spTree>
+    <p:extLst>
+      <p:ext uri="{BB962C8B-B14F-4D97-AF65-F5344CB8AC3E}">
+        <p14:creationId xmlns:p14="http://schemas.microsoft.com/office/powerpoint/2010/main" val="3585803942"/>
+      </p:ext>
+    </p:extLst>
+  </p:cSld>
+  <p:clrMapOvr>
+    <a:masterClrMapping/>
+  </p:clrMapOvr>
+</p:notes>
+</file>
+
+<file path=ppt/notesSlides/notesSlide11.xml><?xml version="1.0" encoding="utf-8"?>
+<p:notes xmlns:a="http://schemas.openxmlformats.org/drawingml/2006/main" xmlns:r="http://schemas.openxmlformats.org/officeDocument/2006/relationships" xmlns:p="http://schemas.openxmlformats.org/presentationml/2006/main">
+  <p:cSld>
+    <p:spTree>
+      <p:nvGrpSpPr>
+        <p:cNvPr id="1" name=""/>
+        <p:cNvGrpSpPr/>
+        <p:nvPr/>
+      </p:nvGrpSpPr>
+      <p:grpSpPr>
+        <a:xfrm>
+          <a:off x="0" y="0"/>
+          <a:ext cx="0" cy="0"/>
+          <a:chOff x="0" y="0"/>
+          <a:chExt cx="0" cy="0"/>
+        </a:xfrm>
+      </p:grpSpPr>
+      <p:sp>
+        <p:nvSpPr>
+          <p:cNvPr id="2" name="Slide Image Placeholder 1"/>
+          <p:cNvSpPr>
+            <a:spLocks noGrp="1" noRot="1" noChangeAspect="1"/>
+          </p:cNvSpPr>
+          <p:nvPr>
+            <p:ph type="sldImg"/>
+          </p:nvPr>
+        </p:nvSpPr>
+        <p:spPr/>
+      </p:sp>
+      <p:sp>
+        <p:nvSpPr>
+          <p:cNvPr id="3" name="Notes Placeholder 2"/>
+          <p:cNvSpPr>
+            <a:spLocks noGrp="1"/>
+          </p:cNvSpPr>
+          <p:nvPr>
+            <p:ph type="body" idx="1"/>
+          </p:nvPr>
+        </p:nvSpPr>
+        <p:spPr/>
+        <p:txBody>
+          <a:bodyPr/>
+          <a:lstStyle/>
+          <a:p>
+            <a:pPr marL="171450" indent="-171450">
+              <a:buFont typeface="Arial"/>
+              <a:buChar char="•"/>
+            </a:pPr>
+            <a:r>
+              <a:rPr lang="en-US" dirty="0" smtClean="0"/>
+              <a:t>The decrypted</a:t>
+            </a:r>
+            <a:r>
+              <a:rPr lang="en-US" baseline="0" dirty="0" smtClean="0"/>
+              <a:t> messages were not too clear</a:t>
+            </a:r>
+          </a:p>
+          <a:p>
+            <a:pPr marL="0" indent="0">
+              <a:buFont typeface="Arial"/>
+              <a:buNone/>
+            </a:pPr>
+            <a:endParaRPr lang="en-US" baseline="0" dirty="0" smtClean="0"/>
+          </a:p>
+          <a:p>
+            <a:pPr marL="171450" indent="-171450">
+              <a:buFont typeface="Arial"/>
+              <a:buChar char="•"/>
+            </a:pPr>
+            <a:r>
+              <a:rPr lang="en-US" baseline="0" dirty="0" smtClean="0"/>
+              <a:t>After reversal of the encryption technique, decrypted image was awesome</a:t>
+            </a:r>
+          </a:p>
+          <a:p>
+            <a:pPr marL="171450" indent="-171450">
+              <a:buFont typeface="Arial"/>
+              <a:buChar char="•"/>
+            </a:pPr>
+            <a:r>
+              <a:rPr lang="en-US" baseline="0" dirty="0" smtClean="0"/>
+              <a:t>Robustness:  all required mores must be entered before button enabled, default values for optional fields, success messages tell where files were stored along with names</a:t>
+            </a:r>
+          </a:p>
+          <a:p>
+            <a:pPr marL="171450" indent="-171450">
+              <a:buFont typeface="Arial"/>
+              <a:buChar char="•"/>
+            </a:pPr>
+            <a:r>
+              <a:rPr lang="en-US" baseline="0" dirty="0" smtClean="0"/>
+              <a:t>Alpha:  based on averages of |cover – encoded color concentration|;  had no impact on decryption</a:t>
+            </a:r>
+            <a:endParaRPr lang="en-US" dirty="0"/>
+          </a:p>
+        </p:txBody>
+      </p:sp>
+      <p:sp>
+        <p:nvSpPr>
+          <p:cNvPr id="4" name="Slide Number Placeholder 3"/>
+          <p:cNvSpPr>
+            <a:spLocks noGrp="1"/>
+          </p:cNvSpPr>
+          <p:nvPr>
+            <p:ph type="sldNum" sz="quarter" idx="10"/>
+          </p:nvPr>
+        </p:nvSpPr>
+        <p:spPr/>
+        <p:txBody>
+          <a:bodyPr/>
+          <a:lstStyle/>
+          <a:p>
+            <a:fld id="{C13B6488-2248-B64B-BC33-DF2A17950858}" type="slidenum">
+              <a:rPr lang="en-US" smtClean="0"/>
+              <a:t>11</a:t>
+            </a:fld>
+            <a:endParaRPr lang="en-US"/>
+          </a:p>
+        </p:txBody>
+      </p:sp>
+    </p:spTree>
+    <p:extLst>
+      <p:ext uri="{BB962C8B-B14F-4D97-AF65-F5344CB8AC3E}">
+        <p14:creationId xmlns:p14="http://schemas.microsoft.com/office/powerpoint/2010/main" val="3585803942"/>
+      </p:ext>
+    </p:extLst>
+  </p:cSld>
+  <p:clrMapOvr>
+    <a:masterClrMapping/>
+  </p:clrMapOvr>
+</p:notes>
+</file>
+
+<file path=ppt/notesSlides/notesSlide12.xml><?xml version="1.0" encoding="utf-8"?>
+<p:notes xmlns:a="http://schemas.openxmlformats.org/drawingml/2006/main" xmlns:r="http://schemas.openxmlformats.org/officeDocument/2006/relationships" xmlns:p="http://schemas.openxmlformats.org/presentationml/2006/main">
+  <p:cSld>
+    <p:spTree>
+      <p:nvGrpSpPr>
+        <p:cNvPr id="1" name=""/>
+        <p:cNvGrpSpPr/>
+        <p:nvPr/>
+      </p:nvGrpSpPr>
+      <p:grpSpPr>
+        <a:xfrm>
+          <a:off x="0" y="0"/>
+          <a:ext cx="0" cy="0"/>
+          <a:chOff x="0" y="0"/>
+          <a:chExt cx="0" cy="0"/>
+        </a:xfrm>
+      </p:grpSpPr>
+      <p:sp>
+        <p:nvSpPr>
+          <p:cNvPr id="2" name="Slide Image Placeholder 1"/>
+          <p:cNvSpPr>
+            <a:spLocks noGrp="1" noRot="1" noChangeAspect="1"/>
+          </p:cNvSpPr>
+          <p:nvPr>
+            <p:ph type="sldImg"/>
+          </p:nvPr>
+        </p:nvSpPr>
+        <p:spPr/>
+      </p:sp>
+      <p:sp>
+        <p:nvSpPr>
+          <p:cNvPr id="3" name="Notes Placeholder 2"/>
+          <p:cNvSpPr>
+            <a:spLocks noGrp="1"/>
+          </p:cNvSpPr>
+          <p:nvPr>
+            <p:ph type="body" idx="1"/>
+          </p:nvPr>
+        </p:nvSpPr>
+        <p:spPr/>
+        <p:txBody>
+          <a:bodyPr/>
+          <a:lstStyle/>
+          <a:p>
+            <a:endParaRPr lang="en-US" dirty="0"/>
+          </a:p>
+        </p:txBody>
+      </p:sp>
+      <p:sp>
+        <p:nvSpPr>
+          <p:cNvPr id="4" name="Slide Number Placeholder 3"/>
+          <p:cNvSpPr>
+            <a:spLocks noGrp="1"/>
+          </p:cNvSpPr>
+          <p:nvPr>
+            <p:ph type="sldNum" sz="quarter" idx="10"/>
+          </p:nvPr>
+        </p:nvSpPr>
+        <p:spPr/>
+        <p:txBody>
+          <a:bodyPr/>
+          <a:lstStyle/>
+          <a:p>
+            <a:fld id="{C13B6488-2248-B64B-BC33-DF2A17950858}" type="slidenum">
+              <a:rPr lang="en-US" smtClean="0"/>
+              <a:t>12</a:t>
+            </a:fld>
+            <a:endParaRPr lang="en-US"/>
+          </a:p>
+        </p:txBody>
+      </p:sp>
+    </p:spTree>
+    <p:extLst>
+      <p:ext uri="{BB962C8B-B14F-4D97-AF65-F5344CB8AC3E}">
+        <p14:creationId xmlns:p14="http://schemas.microsoft.com/office/powerpoint/2010/main" val="4257071104"/>
+      </p:ext>
+    </p:extLst>
+  </p:cSld>
+  <p:clrMapOvr>
+    <a:masterClrMapping/>
+  </p:clrMapOvr>
+</p:notes>
+</file>
+
+<file path=ppt/notesSlides/notesSlide13.xml><?xml version="1.0" encoding="utf-8"?>
+<p:notes xmlns:a="http://schemas.openxmlformats.org/drawingml/2006/main" xmlns:r="http://schemas.openxmlformats.org/officeDocument/2006/relationships" xmlns:p="http://schemas.openxmlformats.org/presentationml/2006/main">
+  <p:cSld>
+    <p:spTree>
+      <p:nvGrpSpPr>
+        <p:cNvPr id="1" name=""/>
+        <p:cNvGrpSpPr/>
+        <p:nvPr/>
+      </p:nvGrpSpPr>
+      <p:grpSpPr>
+        <a:xfrm>
+          <a:off x="0" y="0"/>
+          <a:ext cx="0" cy="0"/>
+          <a:chOff x="0" y="0"/>
+          <a:chExt cx="0" cy="0"/>
+        </a:xfrm>
+      </p:grpSpPr>
+      <p:sp>
+        <p:nvSpPr>
+          <p:cNvPr id="2" name="Slide Image Placeholder 1"/>
+          <p:cNvSpPr>
+            <a:spLocks noGrp="1" noRot="1" noChangeAspect="1"/>
+          </p:cNvSpPr>
+          <p:nvPr>
+            <p:ph type="sldImg"/>
+          </p:nvPr>
+        </p:nvSpPr>
+        <p:spPr/>
+      </p:sp>
+      <p:sp>
+        <p:nvSpPr>
+          <p:cNvPr id="3" name="Notes Placeholder 2"/>
+          <p:cNvSpPr>
+            <a:spLocks noGrp="1"/>
+          </p:cNvSpPr>
+          <p:nvPr>
+            <p:ph type="body" idx="1"/>
+          </p:nvPr>
+        </p:nvSpPr>
+        <p:spPr/>
+        <p:txBody>
+          <a:bodyPr/>
+          <a:lstStyle/>
+          <a:p>
+            <a:endParaRPr lang="en-US"/>
+          </a:p>
+        </p:txBody>
+      </p:sp>
+      <p:sp>
+        <p:nvSpPr>
+          <p:cNvPr id="4" name="Slide Number Placeholder 3"/>
+          <p:cNvSpPr>
+            <a:spLocks noGrp="1"/>
+          </p:cNvSpPr>
+          <p:nvPr>
+            <p:ph type="sldNum" sz="quarter" idx="10"/>
+          </p:nvPr>
+        </p:nvSpPr>
+        <p:spPr/>
+        <p:txBody>
+          <a:bodyPr/>
+          <a:lstStyle/>
+          <a:p>
+            <a:fld id="{C13B6488-2248-B64B-BC33-DF2A17950858}" type="slidenum">
+              <a:rPr lang="en-US" smtClean="0"/>
+              <a:t>14</a:t>
+            </a:fld>
+            <a:endParaRPr lang="en-US"/>
+          </a:p>
+        </p:txBody>
+      </p:sp>
+    </p:spTree>
+    <p:extLst>
+      <p:ext uri="{BB962C8B-B14F-4D97-AF65-F5344CB8AC3E}">
+        <p14:creationId xmlns:p14="http://schemas.microsoft.com/office/powerpoint/2010/main" val="490577831"/>
+      </p:ext>
+    </p:extLst>
+  </p:cSld>
+  <p:clrMapOvr>
+    <a:masterClrMapping/>
+  </p:clrMapOvr>
+</p:notes>
+</file>
+
+<file path=ppt/notesSlides/notesSlide2.xml><?xml version="1.0" encoding="utf-8"?>
+<p:notes xmlns:a="http://schemas.openxmlformats.org/drawingml/2006/main" xmlns:r="http://schemas.openxmlformats.org/officeDocument/2006/relationships" xmlns:p="http://schemas.openxmlformats.org/presentationml/2006/main">
+  <p:cSld>
+    <p:spTree>
+      <p:nvGrpSpPr>
+        <p:cNvPr id="1" name=""/>
+        <p:cNvGrpSpPr/>
+        <p:nvPr/>
+      </p:nvGrpSpPr>
+      <p:grpSpPr>
+        <a:xfrm>
+          <a:off x="0" y="0"/>
+          <a:ext cx="0" cy="0"/>
+          <a:chOff x="0" y="0"/>
+          <a:chExt cx="0" cy="0"/>
+        </a:xfrm>
+      </p:grpSpPr>
+      <p:sp>
+        <p:nvSpPr>
+          <p:cNvPr id="2" name="Slide Image Placeholder 1"/>
+          <p:cNvSpPr>
+            <a:spLocks noGrp="1" noRot="1" noChangeAspect="1"/>
+          </p:cNvSpPr>
+          <p:nvPr>
+            <p:ph type="sldImg"/>
+          </p:nvPr>
+        </p:nvSpPr>
+        <p:spPr/>
+      </p:sp>
+      <p:sp>
+        <p:nvSpPr>
+          <p:cNvPr id="3" name="Notes Placeholder 2"/>
+          <p:cNvSpPr>
+            <a:spLocks noGrp="1"/>
+          </p:cNvSpPr>
+          <p:nvPr>
+            <p:ph type="body" idx="1"/>
+          </p:nvPr>
+        </p:nvSpPr>
+        <p:spPr/>
+        <p:txBody>
+          <a:bodyPr/>
+          <a:lstStyle/>
+          <a:p>
+            <a:endParaRPr lang="en-US"/>
+          </a:p>
+        </p:txBody>
+      </p:sp>
+      <p:sp>
+        <p:nvSpPr>
+          <p:cNvPr id="4" name="Slide Number Placeholder 3"/>
+          <p:cNvSpPr>
+            <a:spLocks noGrp="1"/>
+          </p:cNvSpPr>
+          <p:nvPr>
+            <p:ph type="sldNum" sz="quarter" idx="10"/>
+          </p:nvPr>
+        </p:nvSpPr>
+        <p:spPr/>
+        <p:txBody>
+          <a:bodyPr/>
+          <a:lstStyle/>
+          <a:p>
+            <a:fld id="{C13B6488-2248-B64B-BC33-DF2A17950858}" type="slidenum">
+              <a:rPr lang="en-US" smtClean="0"/>
+              <a:t>2</a:t>
+            </a:fld>
+            <a:endParaRPr lang="en-US"/>
+          </a:p>
+        </p:txBody>
+      </p:sp>
+    </p:spTree>
+    <p:extLst>
+      <p:ext uri="{BB962C8B-B14F-4D97-AF65-F5344CB8AC3E}">
+        <p14:creationId xmlns:p14="http://schemas.microsoft.com/office/powerpoint/2010/main" val="2346249035"/>
+      </p:ext>
+    </p:extLst>
+  </p:cSld>
+  <p:clrMapOvr>
+    <a:masterClrMapping/>
+  </p:clrMapOvr>
+</p:notes>
+</file>
+
+<file path=ppt/notesSlides/notesSlide3.xml><?xml version="1.0" encoding="utf-8"?>
+<p:notes xmlns:a="http://schemas.openxmlformats.org/drawingml/2006/main" xmlns:r="http://schemas.openxmlformats.org/officeDocument/2006/relationships" xmlns:p="http://schemas.openxmlformats.org/presentationml/2006/main">
+  <p:cSld>
+    <p:spTree>
+      <p:nvGrpSpPr>
+        <p:cNvPr id="1" name=""/>
+        <p:cNvGrpSpPr/>
+        <p:nvPr/>
+      </p:nvGrpSpPr>
+      <p:grpSpPr>
+        <a:xfrm>
+          <a:off x="0" y="0"/>
+          <a:ext cx="0" cy="0"/>
+          <a:chOff x="0" y="0"/>
+          <a:chExt cx="0" cy="0"/>
+        </a:xfrm>
+      </p:grpSpPr>
+      <p:sp>
+        <p:nvSpPr>
+          <p:cNvPr id="2" name="Slide Image Placeholder 1"/>
+          <p:cNvSpPr>
+            <a:spLocks noGrp="1" noRot="1" noChangeAspect="1"/>
+          </p:cNvSpPr>
+          <p:nvPr>
+            <p:ph type="sldImg"/>
+          </p:nvPr>
+        </p:nvSpPr>
+        <p:spPr/>
+      </p:sp>
+      <p:sp>
+        <p:nvSpPr>
+          <p:cNvPr id="3" name="Notes Placeholder 2"/>
+          <p:cNvSpPr>
+            <a:spLocks noGrp="1"/>
+          </p:cNvSpPr>
+          <p:nvPr>
+            <p:ph type="body" idx="1"/>
+          </p:nvPr>
+        </p:nvSpPr>
+        <p:spPr/>
+        <p:txBody>
+          <a:bodyPr/>
+          <a:lstStyle/>
+          <a:p>
+            <a:endParaRPr lang="en-US"/>
+          </a:p>
+        </p:txBody>
+      </p:sp>
+      <p:sp>
+        <p:nvSpPr>
+          <p:cNvPr id="4" name="Slide Number Placeholder 3"/>
+          <p:cNvSpPr>
+            <a:spLocks noGrp="1"/>
+          </p:cNvSpPr>
+          <p:nvPr>
+            <p:ph type="sldNum" sz="quarter" idx="10"/>
+          </p:nvPr>
+        </p:nvSpPr>
+        <p:spPr/>
+        <p:txBody>
+          <a:bodyPr/>
+          <a:lstStyle/>
+          <a:p>
+            <a:fld id="{C13B6488-2248-B64B-BC33-DF2A17950858}" type="slidenum">
+              <a:rPr lang="en-US" smtClean="0"/>
+              <a:t>3</a:t>
+            </a:fld>
+            <a:endParaRPr lang="en-US"/>
+          </a:p>
+        </p:txBody>
+      </p:sp>
+    </p:spTree>
+    <p:extLst>
+      <p:ext uri="{BB962C8B-B14F-4D97-AF65-F5344CB8AC3E}">
+        <p14:creationId xmlns:p14="http://schemas.microsoft.com/office/powerpoint/2010/main" val="1939999908"/>
+      </p:ext>
+    </p:extLst>
+  </p:cSld>
+  <p:clrMapOvr>
+    <a:masterClrMapping/>
+  </p:clrMapOvr>
+</p:notes>
+</file>
+
+<file path=ppt/notesSlides/notesSlide4.xml><?xml version="1.0" encoding="utf-8"?>
+<p:notes xmlns:a="http://schemas.openxmlformats.org/drawingml/2006/main" xmlns:r="http://schemas.openxmlformats.org/officeDocument/2006/relationships" xmlns:p="http://schemas.openxmlformats.org/presentationml/2006/main">
+  <p:cSld>
+    <p:spTree>
+      <p:nvGrpSpPr>
+        <p:cNvPr id="1" name=""/>
+        <p:cNvGrpSpPr/>
+        <p:nvPr/>
+      </p:nvGrpSpPr>
+      <p:grpSpPr>
+        <a:xfrm>
+          <a:off x="0" y="0"/>
+          <a:ext cx="0" cy="0"/>
+          <a:chOff x="0" y="0"/>
+          <a:chExt cx="0" cy="0"/>
+        </a:xfrm>
+      </p:grpSpPr>
+      <p:sp>
+        <p:nvSpPr>
+          <p:cNvPr id="2" name="Slide Image Placeholder 1"/>
+          <p:cNvSpPr>
+            <a:spLocks noGrp="1" noRot="1" noChangeAspect="1"/>
+          </p:cNvSpPr>
+          <p:nvPr>
+            <p:ph type="sldImg"/>
+          </p:nvPr>
+        </p:nvSpPr>
+        <p:spPr/>
+      </p:sp>
+      <p:sp>
+        <p:nvSpPr>
+          <p:cNvPr id="3" name="Notes Placeholder 2"/>
+          <p:cNvSpPr>
+            <a:spLocks noGrp="1"/>
+          </p:cNvSpPr>
+          <p:nvPr>
+            <p:ph type="body" idx="1"/>
+          </p:nvPr>
+        </p:nvSpPr>
+        <p:spPr/>
+        <p:txBody>
+          <a:bodyPr/>
+          <a:lstStyle/>
+          <a:p>
+            <a:endParaRPr lang="en-US"/>
+          </a:p>
+        </p:txBody>
+      </p:sp>
+      <p:sp>
+        <p:nvSpPr>
+          <p:cNvPr id="4" name="Slide Number Placeholder 3"/>
+          <p:cNvSpPr>
+            <a:spLocks noGrp="1"/>
+          </p:cNvSpPr>
+          <p:nvPr>
+            <p:ph type="sldNum" sz="quarter" idx="10"/>
+          </p:nvPr>
+        </p:nvSpPr>
+        <p:spPr/>
+        <p:txBody>
+          <a:bodyPr/>
+          <a:lstStyle/>
+          <a:p>
+            <a:fld id="{C13B6488-2248-B64B-BC33-DF2A17950858}" type="slidenum">
+              <a:rPr lang="en-US" smtClean="0"/>
+              <a:t>4</a:t>
+            </a:fld>
+            <a:endParaRPr lang="en-US"/>
+          </a:p>
+        </p:txBody>
+      </p:sp>
+    </p:spTree>
+    <p:extLst>
+      <p:ext uri="{BB962C8B-B14F-4D97-AF65-F5344CB8AC3E}">
+        <p14:creationId xmlns:p14="http://schemas.microsoft.com/office/powerpoint/2010/main" val="2801787893"/>
+      </p:ext>
+    </p:extLst>
+  </p:cSld>
+  <p:clrMapOvr>
+    <a:masterClrMapping/>
+  </p:clrMapOvr>
+</p:notes>
+</file>
+
+<file path=ppt/notesSlides/notesSlide5.xml><?xml version="1.0" encoding="utf-8"?>
+<p:notes xmlns:a="http://schemas.openxmlformats.org/drawingml/2006/main" xmlns:r="http://schemas.openxmlformats.org/officeDocument/2006/relationships" xmlns:p="http://schemas.openxmlformats.org/presentationml/2006/main">
+  <p:cSld>
+    <p:spTree>
+      <p:nvGrpSpPr>
+        <p:cNvPr id="1" name=""/>
+        <p:cNvGrpSpPr/>
+        <p:nvPr/>
+      </p:nvGrpSpPr>
+      <p:grpSpPr>
+        <a:xfrm>
+          <a:off x="0" y="0"/>
+          <a:ext cx="0" cy="0"/>
+          <a:chOff x="0" y="0"/>
+          <a:chExt cx="0" cy="0"/>
+        </a:xfrm>
+      </p:grpSpPr>
+      <p:sp>
+        <p:nvSpPr>
+          <p:cNvPr id="2" name="Slide Image Placeholder 1"/>
+          <p:cNvSpPr>
+            <a:spLocks noGrp="1" noRot="1" noChangeAspect="1"/>
+          </p:cNvSpPr>
+          <p:nvPr>
+            <p:ph type="sldImg"/>
+          </p:nvPr>
+        </p:nvSpPr>
+        <p:spPr/>
+      </p:sp>
+      <p:sp>
+        <p:nvSpPr>
+          <p:cNvPr id="3" name="Notes Placeholder 2"/>
+          <p:cNvSpPr>
+            <a:spLocks noGrp="1"/>
+          </p:cNvSpPr>
+          <p:nvPr>
+            <p:ph type="body" idx="1"/>
+          </p:nvPr>
+        </p:nvSpPr>
+        <p:spPr/>
+        <p:txBody>
+          <a:bodyPr/>
+          <a:lstStyle/>
+          <a:p>
+            <a:endParaRPr lang="en-US"/>
+          </a:p>
+        </p:txBody>
+      </p:sp>
+      <p:sp>
+        <p:nvSpPr>
+          <p:cNvPr id="4" name="Slide Number Placeholder 3"/>
+          <p:cNvSpPr>
+            <a:spLocks noGrp="1"/>
+          </p:cNvSpPr>
+          <p:nvPr>
+            <p:ph type="sldNum" sz="quarter" idx="10"/>
+          </p:nvPr>
+        </p:nvSpPr>
+        <p:spPr/>
+        <p:txBody>
+          <a:bodyPr/>
+          <a:lstStyle/>
+          <a:p>
+            <a:fld id="{C13B6488-2248-B64B-BC33-DF2A17950858}" type="slidenum">
+              <a:rPr lang="en-US" smtClean="0"/>
+              <a:t>5</a:t>
+            </a:fld>
+            <a:endParaRPr lang="en-US"/>
+          </a:p>
+        </p:txBody>
+      </p:sp>
+    </p:spTree>
+    <p:extLst>
+      <p:ext uri="{BB962C8B-B14F-4D97-AF65-F5344CB8AC3E}">
+        <p14:creationId xmlns:p14="http://schemas.microsoft.com/office/powerpoint/2010/main" val="603117090"/>
+      </p:ext>
+    </p:extLst>
+  </p:cSld>
+  <p:clrMapOvr>
+    <a:masterClrMapping/>
+  </p:clrMapOvr>
+</p:notes>
+</file>
+
+<file path=ppt/notesSlides/notesSlide6.xml><?xml version="1.0" encoding="utf-8"?>
+<p:notes xmlns:a="http://schemas.openxmlformats.org/drawingml/2006/main" xmlns:r="http://schemas.openxmlformats.org/officeDocument/2006/relationships" xmlns:p="http://schemas.openxmlformats.org/presentationml/2006/main">
+  <p:cSld>
+    <p:spTree>
+      <p:nvGrpSpPr>
+        <p:cNvPr id="1" name=""/>
+        <p:cNvGrpSpPr/>
+        <p:nvPr/>
+      </p:nvGrpSpPr>
+      <p:grpSpPr>
+        <a:xfrm>
+          <a:off x="0" y="0"/>
+          <a:ext cx="0" cy="0"/>
+          <a:chOff x="0" y="0"/>
+          <a:chExt cx="0" cy="0"/>
+        </a:xfrm>
+      </p:grpSpPr>
+      <p:sp>
+        <p:nvSpPr>
+          <p:cNvPr id="2" name="Slide Image Placeholder 1"/>
+          <p:cNvSpPr>
+            <a:spLocks noGrp="1" noRot="1" noChangeAspect="1"/>
+          </p:cNvSpPr>
+          <p:nvPr>
+            <p:ph type="sldImg"/>
+          </p:nvPr>
+        </p:nvSpPr>
+        <p:spPr/>
+      </p:sp>
+      <p:sp>
+        <p:nvSpPr>
+          <p:cNvPr id="3" name="Notes Placeholder 2"/>
+          <p:cNvSpPr>
+            <a:spLocks noGrp="1"/>
+          </p:cNvSpPr>
+          <p:nvPr>
+            <p:ph type="body" idx="1"/>
+          </p:nvPr>
+        </p:nvSpPr>
+        <p:spPr/>
+        <p:txBody>
+          <a:bodyPr/>
+          <a:lstStyle/>
+          <a:p>
             <a:r>
               <a:rPr lang="en-US" dirty="0" smtClean="0"/>
               <a:t>Add review of what happened</a:t>
             </a:r>
             <a:r>
               <a:rPr lang="en-US" baseline="0" dirty="0" smtClean="0"/>
-              <a:t> over </a:t>
-            </a:r>
-            <a:r>
-              <a:rPr lang="en-US" baseline="0" smtClean="0"/>
-              <a:t>every iteration?</a:t>
-            </a:r>
-            <a:endParaRPr lang="en-US"/>
+              <a:t> over every iteration?</a:t>
+            </a:r>
+            <a:endParaRPr lang="en-US" dirty="0"/>
           </a:p>
         </p:txBody>
       </p:sp>
@@ -543,7 +1390,7 @@
           <a:p>
             <a:fld id="{C13B6488-2248-B64B-BC33-DF2A17950858}" type="slidenum">
               <a:rPr lang="en-US" smtClean="0"/>
-              <a:t>5</a:t>
+              <a:t>6</a:t>
             </a:fld>
             <a:endParaRPr lang="en-US"/>
           </a:p>
@@ -553,6 +1400,356 @@
     <p:extLst>
       <p:ext uri="{BB962C8B-B14F-4D97-AF65-F5344CB8AC3E}">
         <p14:creationId xmlns:p14="http://schemas.microsoft.com/office/powerpoint/2010/main" val="2328308423"/>
+      </p:ext>
+    </p:extLst>
+  </p:cSld>
+  <p:clrMapOvr>
+    <a:masterClrMapping/>
+  </p:clrMapOvr>
+</p:notes>
+</file>
+
+<file path=ppt/notesSlides/notesSlide7.xml><?xml version="1.0" encoding="utf-8"?>
+<p:notes xmlns:a="http://schemas.openxmlformats.org/drawingml/2006/main" xmlns:r="http://schemas.openxmlformats.org/officeDocument/2006/relationships" xmlns:p="http://schemas.openxmlformats.org/presentationml/2006/main">
+  <p:cSld>
+    <p:spTree>
+      <p:nvGrpSpPr>
+        <p:cNvPr id="1" name=""/>
+        <p:cNvGrpSpPr/>
+        <p:nvPr/>
+      </p:nvGrpSpPr>
+      <p:grpSpPr>
+        <a:xfrm>
+          <a:off x="0" y="0"/>
+          <a:ext cx="0" cy="0"/>
+          <a:chOff x="0" y="0"/>
+          <a:chExt cx="0" cy="0"/>
+        </a:xfrm>
+      </p:grpSpPr>
+      <p:sp>
+        <p:nvSpPr>
+          <p:cNvPr id="2" name="Slide Image Placeholder 1"/>
+          <p:cNvSpPr>
+            <a:spLocks noGrp="1" noRot="1" noChangeAspect="1"/>
+          </p:cNvSpPr>
+          <p:nvPr>
+            <p:ph type="sldImg"/>
+          </p:nvPr>
+        </p:nvSpPr>
+        <p:spPr/>
+      </p:sp>
+      <p:sp>
+        <p:nvSpPr>
+          <p:cNvPr id="3" name="Notes Placeholder 2"/>
+          <p:cNvSpPr>
+            <a:spLocks noGrp="1"/>
+          </p:cNvSpPr>
+          <p:nvPr>
+            <p:ph type="body" idx="1"/>
+          </p:nvPr>
+        </p:nvSpPr>
+        <p:spPr/>
+        <p:txBody>
+          <a:bodyPr/>
+          <a:lstStyle/>
+          <a:p>
+            <a:r>
+              <a:rPr lang="en-US" dirty="0" smtClean="0"/>
+              <a:t>Size Invariant</a:t>
+            </a:r>
+            <a:endParaRPr lang="en-US" baseline="0" dirty="0" smtClean="0"/>
+          </a:p>
+          <a:p>
+            <a:pPr marL="171450" indent="-171450">
+              <a:buFont typeface="Arial"/>
+              <a:buChar char="•"/>
+            </a:pPr>
+            <a:r>
+              <a:rPr lang="en-US" baseline="0" dirty="0" smtClean="0"/>
+              <a:t>k, n where k is the minimum number of shares needed to reveal secret and n is the number of shares created</a:t>
+            </a:r>
+          </a:p>
+          <a:p>
+            <a:pPr marL="171450" indent="-171450">
+              <a:buFont typeface="Arial"/>
+              <a:buChar char="•"/>
+            </a:pPr>
+            <a:r>
+              <a:rPr lang="en-US" baseline="0" dirty="0" smtClean="0"/>
+              <a:t>Shares looked like pictures of static</a:t>
+            </a:r>
+          </a:p>
+          <a:p>
+            <a:pPr marL="0" indent="0">
+              <a:buFont typeface="Arial"/>
+              <a:buNone/>
+            </a:pPr>
+            <a:endParaRPr lang="en-US" baseline="0" dirty="0" smtClean="0"/>
+          </a:p>
+          <a:p>
+            <a:pPr marL="0" indent="0">
+              <a:buFont typeface="Arial"/>
+              <a:buNone/>
+            </a:pPr>
+            <a:r>
+              <a:rPr lang="en-US" baseline="0" dirty="0" smtClean="0"/>
+              <a:t>Extended</a:t>
+            </a:r>
+          </a:p>
+          <a:p>
+            <a:pPr marL="171450" indent="-171450">
+              <a:buFont typeface="Arial"/>
+              <a:buChar char="•"/>
+            </a:pPr>
+            <a:r>
+              <a:rPr lang="en-US" baseline="0" dirty="0" smtClean="0"/>
+              <a:t>The shares are hidden in cover images so the encoded images have meanings</a:t>
+            </a:r>
+          </a:p>
+          <a:p>
+            <a:pPr marL="171450" indent="-171450">
+              <a:buFont typeface="Arial"/>
+              <a:buChar char="•"/>
+            </a:pPr>
+            <a:r>
+              <a:rPr lang="en-US" baseline="0" dirty="0" smtClean="0"/>
+              <a:t>Only worked for strictly black and white images</a:t>
+            </a:r>
+          </a:p>
+          <a:p>
+            <a:pPr marL="171450" indent="-171450">
+              <a:buFont typeface="Arial"/>
+              <a:buChar char="•"/>
+            </a:pPr>
+            <a:endParaRPr lang="en-US" dirty="0"/>
+          </a:p>
+        </p:txBody>
+      </p:sp>
+      <p:sp>
+        <p:nvSpPr>
+          <p:cNvPr id="4" name="Slide Number Placeholder 3"/>
+          <p:cNvSpPr>
+            <a:spLocks noGrp="1"/>
+          </p:cNvSpPr>
+          <p:nvPr>
+            <p:ph type="sldNum" sz="quarter" idx="10"/>
+          </p:nvPr>
+        </p:nvSpPr>
+        <p:spPr/>
+        <p:txBody>
+          <a:bodyPr/>
+          <a:lstStyle/>
+          <a:p>
+            <a:fld id="{C13B6488-2248-B64B-BC33-DF2A17950858}" type="slidenum">
+              <a:rPr lang="en-US" smtClean="0"/>
+              <a:t>7</a:t>
+            </a:fld>
+            <a:endParaRPr lang="en-US"/>
+          </a:p>
+        </p:txBody>
+      </p:sp>
+    </p:spTree>
+    <p:extLst>
+      <p:ext uri="{BB962C8B-B14F-4D97-AF65-F5344CB8AC3E}">
+        <p14:creationId xmlns:p14="http://schemas.microsoft.com/office/powerpoint/2010/main" val="3585803942"/>
+      </p:ext>
+    </p:extLst>
+  </p:cSld>
+  <p:clrMapOvr>
+    <a:masterClrMapping/>
+  </p:clrMapOvr>
+</p:notes>
+</file>
+
+<file path=ppt/notesSlides/notesSlide8.xml><?xml version="1.0" encoding="utf-8"?>
+<p:notes xmlns:a="http://schemas.openxmlformats.org/drawingml/2006/main" xmlns:r="http://schemas.openxmlformats.org/officeDocument/2006/relationships" xmlns:p="http://schemas.openxmlformats.org/presentationml/2006/main">
+  <p:cSld>
+    <p:spTree>
+      <p:nvGrpSpPr>
+        <p:cNvPr id="1" name=""/>
+        <p:cNvGrpSpPr/>
+        <p:nvPr/>
+      </p:nvGrpSpPr>
+      <p:grpSpPr>
+        <a:xfrm>
+          <a:off x="0" y="0"/>
+          <a:ext cx="0" cy="0"/>
+          <a:chOff x="0" y="0"/>
+          <a:chExt cx="0" cy="0"/>
+        </a:xfrm>
+      </p:grpSpPr>
+      <p:sp>
+        <p:nvSpPr>
+          <p:cNvPr id="2" name="Slide Image Placeholder 1"/>
+          <p:cNvSpPr>
+            <a:spLocks noGrp="1" noRot="1" noChangeAspect="1"/>
+          </p:cNvSpPr>
+          <p:nvPr>
+            <p:ph type="sldImg"/>
+          </p:nvPr>
+        </p:nvSpPr>
+        <p:spPr/>
+      </p:sp>
+      <p:sp>
+        <p:nvSpPr>
+          <p:cNvPr id="3" name="Notes Placeholder 2"/>
+          <p:cNvSpPr>
+            <a:spLocks noGrp="1"/>
+          </p:cNvSpPr>
+          <p:nvPr>
+            <p:ph type="body" idx="1"/>
+          </p:nvPr>
+        </p:nvSpPr>
+        <p:spPr/>
+        <p:txBody>
+          <a:bodyPr/>
+          <a:lstStyle/>
+          <a:p>
+            <a:pPr marL="171450" indent="-171450">
+              <a:buFont typeface="Arial"/>
+              <a:buChar char="•"/>
+            </a:pPr>
+            <a:endParaRPr lang="en-US" dirty="0"/>
+          </a:p>
+        </p:txBody>
+      </p:sp>
+      <p:sp>
+        <p:nvSpPr>
+          <p:cNvPr id="4" name="Slide Number Placeholder 3"/>
+          <p:cNvSpPr>
+            <a:spLocks noGrp="1"/>
+          </p:cNvSpPr>
+          <p:nvPr>
+            <p:ph type="sldNum" sz="quarter" idx="10"/>
+          </p:nvPr>
+        </p:nvSpPr>
+        <p:spPr/>
+        <p:txBody>
+          <a:bodyPr/>
+          <a:lstStyle/>
+          <a:p>
+            <a:fld id="{C13B6488-2248-B64B-BC33-DF2A17950858}" type="slidenum">
+              <a:rPr lang="en-US" smtClean="0"/>
+              <a:t>8</a:t>
+            </a:fld>
+            <a:endParaRPr lang="en-US"/>
+          </a:p>
+        </p:txBody>
+      </p:sp>
+    </p:spTree>
+    <p:extLst>
+      <p:ext uri="{BB962C8B-B14F-4D97-AF65-F5344CB8AC3E}">
+        <p14:creationId xmlns:p14="http://schemas.microsoft.com/office/powerpoint/2010/main" val="3585803942"/>
+      </p:ext>
+    </p:extLst>
+  </p:cSld>
+  <p:clrMapOvr>
+    <a:masterClrMapping/>
+  </p:clrMapOvr>
+</p:notes>
+</file>
+
+<file path=ppt/notesSlides/notesSlide9.xml><?xml version="1.0" encoding="utf-8"?>
+<p:notes xmlns:a="http://schemas.openxmlformats.org/drawingml/2006/main" xmlns:r="http://schemas.openxmlformats.org/officeDocument/2006/relationships" xmlns:p="http://schemas.openxmlformats.org/presentationml/2006/main">
+  <p:cSld>
+    <p:spTree>
+      <p:nvGrpSpPr>
+        <p:cNvPr id="1" name=""/>
+        <p:cNvGrpSpPr/>
+        <p:nvPr/>
+      </p:nvGrpSpPr>
+      <p:grpSpPr>
+        <a:xfrm>
+          <a:off x="0" y="0"/>
+          <a:ext cx="0" cy="0"/>
+          <a:chOff x="0" y="0"/>
+          <a:chExt cx="0" cy="0"/>
+        </a:xfrm>
+      </p:grpSpPr>
+      <p:sp>
+        <p:nvSpPr>
+          <p:cNvPr id="2" name="Slide Image Placeholder 1"/>
+          <p:cNvSpPr>
+            <a:spLocks noGrp="1" noRot="1" noChangeAspect="1"/>
+          </p:cNvSpPr>
+          <p:nvPr>
+            <p:ph type="sldImg"/>
+          </p:nvPr>
+        </p:nvSpPr>
+        <p:spPr/>
+      </p:sp>
+      <p:sp>
+        <p:nvSpPr>
+          <p:cNvPr id="3" name="Notes Placeholder 2"/>
+          <p:cNvSpPr>
+            <a:spLocks noGrp="1"/>
+          </p:cNvSpPr>
+          <p:nvPr>
+            <p:ph type="body" idx="1"/>
+          </p:nvPr>
+        </p:nvSpPr>
+        <p:spPr/>
+        <p:txBody>
+          <a:bodyPr/>
+          <a:lstStyle/>
+          <a:p>
+            <a:pPr marL="171450" indent="-171450">
+              <a:buFont typeface="Arial"/>
+              <a:buChar char="•"/>
+            </a:pPr>
+            <a:r>
+              <a:rPr lang="en-US" dirty="0" err="1" smtClean="0"/>
+              <a:t>Halftoning</a:t>
+            </a:r>
+            <a:r>
+              <a:rPr lang="en-US" dirty="0" smtClean="0"/>
+              <a:t> simulates</a:t>
+            </a:r>
+            <a:r>
+              <a:rPr lang="en-US" baseline="0" dirty="0" smtClean="0"/>
+              <a:t> a continuous tone through the use of dots, varying in either size or in spacing</a:t>
+            </a:r>
+          </a:p>
+          <a:p>
+            <a:pPr marL="171450" indent="-171450">
+              <a:buFont typeface="Arial"/>
+              <a:buChar char="•"/>
+            </a:pPr>
+            <a:r>
+              <a:rPr lang="en-US" baseline="0" dirty="0" smtClean="0"/>
+              <a:t>Issue was secret was visible in the encoded images</a:t>
+            </a:r>
+            <a:endParaRPr lang="en-US" dirty="0"/>
+          </a:p>
+        </p:txBody>
+      </p:sp>
+      <p:sp>
+        <p:nvSpPr>
+          <p:cNvPr id="4" name="Slide Number Placeholder 3"/>
+          <p:cNvSpPr>
+            <a:spLocks noGrp="1"/>
+          </p:cNvSpPr>
+          <p:nvPr>
+            <p:ph type="sldNum" sz="quarter" idx="10"/>
+          </p:nvPr>
+        </p:nvSpPr>
+        <p:spPr/>
+        <p:txBody>
+          <a:bodyPr/>
+          <a:lstStyle/>
+          <a:p>
+            <a:fld id="{C13B6488-2248-B64B-BC33-DF2A17950858}" type="slidenum">
+              <a:rPr lang="en-US" smtClean="0"/>
+              <a:t>9</a:t>
+            </a:fld>
+            <a:endParaRPr lang="en-US"/>
+          </a:p>
+        </p:txBody>
+      </p:sp>
+    </p:spTree>
+    <p:extLst>
+      <p:ext uri="{BB962C8B-B14F-4D97-AF65-F5344CB8AC3E}">
+        <p14:creationId xmlns:p14="http://schemas.microsoft.com/office/powerpoint/2010/main" val="3585803942"/>
       </p:ext>
     </p:extLst>
   </p:cSld>
@@ -5229,6 +6426,650 @@
 </p:sld>
 </file>
 
+<file path=ppt/slides/slide10.xml><?xml version="1.0" encoding="utf-8"?>
+<p:sld xmlns:a="http://schemas.openxmlformats.org/drawingml/2006/main" xmlns:r="http://schemas.openxmlformats.org/officeDocument/2006/relationships" xmlns:p="http://schemas.openxmlformats.org/presentationml/2006/main">
+  <p:cSld>
+    <p:spTree>
+      <p:nvGrpSpPr>
+        <p:cNvPr id="1" name=""/>
+        <p:cNvGrpSpPr/>
+        <p:nvPr/>
+      </p:nvGrpSpPr>
+      <p:grpSpPr>
+        <a:xfrm>
+          <a:off x="0" y="0"/>
+          <a:ext cx="0" cy="0"/>
+          <a:chOff x="0" y="0"/>
+          <a:chExt cx="0" cy="0"/>
+        </a:xfrm>
+      </p:grpSpPr>
+      <p:sp>
+        <p:nvSpPr>
+          <p:cNvPr id="2" name="Title 1"/>
+          <p:cNvSpPr>
+            <a:spLocks noGrp="1"/>
+          </p:cNvSpPr>
+          <p:nvPr>
+            <p:ph type="title"/>
+          </p:nvPr>
+        </p:nvSpPr>
+        <p:spPr/>
+        <p:txBody>
+          <a:bodyPr>
+            <a:normAutofit/>
+          </a:bodyPr>
+          <a:lstStyle/>
+          <a:p>
+            <a:r>
+              <a:rPr lang="en-US" sz="4400" cap="none" dirty="0">
+                <a:solidFill>
+                  <a:schemeClr val="accent2"/>
+                </a:solidFill>
+              </a:rPr>
+              <a:t>Iterations </a:t>
+            </a:r>
+            <a:r>
+              <a:rPr lang="en-US" sz="4400" cap="none" dirty="0" smtClean="0">
+                <a:solidFill>
+                  <a:schemeClr val="accent2"/>
+                </a:solidFill>
+              </a:rPr>
+              <a:t>4 </a:t>
+            </a:r>
+            <a:r>
+              <a:rPr lang="en-US" sz="4400" cap="none" dirty="0">
+                <a:solidFill>
+                  <a:schemeClr val="accent2"/>
+                </a:solidFill>
+              </a:rPr>
+              <a:t>&amp; </a:t>
+            </a:r>
+            <a:r>
+              <a:rPr lang="en-US" sz="4400" cap="none" dirty="0" smtClean="0">
+                <a:solidFill>
+                  <a:schemeClr val="accent2"/>
+                </a:solidFill>
+              </a:rPr>
+              <a:t>5</a:t>
+            </a:r>
+            <a:endParaRPr lang="en-US" sz="4400" cap="none" dirty="0">
+              <a:solidFill>
+                <a:schemeClr val="accent2"/>
+              </a:solidFill>
+            </a:endParaRPr>
+          </a:p>
+        </p:txBody>
+      </p:sp>
+      <p:sp>
+        <p:nvSpPr>
+          <p:cNvPr id="3" name="Content Placeholder 2"/>
+          <p:cNvSpPr>
+            <a:spLocks noGrp="1"/>
+          </p:cNvSpPr>
+          <p:nvPr>
+            <p:ph idx="1"/>
+          </p:nvPr>
+        </p:nvSpPr>
+        <p:spPr/>
+        <p:txBody>
+          <a:bodyPr>
+            <a:normAutofit/>
+          </a:bodyPr>
+          <a:lstStyle/>
+          <a:p>
+            <a:pPr marL="114300" indent="0">
+              <a:buNone/>
+            </a:pPr>
+            <a:r>
+              <a:rPr lang="en-US" dirty="0"/>
+              <a:t>Iteration </a:t>
+            </a:r>
+            <a:r>
+              <a:rPr lang="en-US" dirty="0" smtClean="0"/>
+              <a:t>4</a:t>
+            </a:r>
+            <a:endParaRPr lang="en-US" dirty="0"/>
+          </a:p>
+          <a:p>
+            <a:r>
+              <a:rPr lang="en-US" dirty="0"/>
+              <a:t>Research </a:t>
+            </a:r>
+            <a:r>
+              <a:rPr lang="en-US" dirty="0" smtClean="0"/>
+              <a:t>methods of encoding and decoding colorful images</a:t>
+            </a:r>
+          </a:p>
+          <a:p>
+            <a:r>
+              <a:rPr lang="en-US" dirty="0" smtClean="0"/>
+              <a:t>Selected VIP synchronization</a:t>
+            </a:r>
+            <a:endParaRPr lang="en-US" dirty="0"/>
+          </a:p>
+          <a:p>
+            <a:pPr marL="114300" indent="0">
+              <a:buNone/>
+            </a:pPr>
+            <a:r>
+              <a:rPr lang="en-US" dirty="0" smtClean="0"/>
+              <a:t>Iteration 5</a:t>
+            </a:r>
+            <a:endParaRPr lang="en-US" dirty="0"/>
+          </a:p>
+          <a:p>
+            <a:r>
+              <a:rPr lang="en-US" dirty="0"/>
+              <a:t>Implemented the Floyd-Steinberg dithering/error </a:t>
+            </a:r>
+            <a:r>
+              <a:rPr lang="en-US" dirty="0" smtClean="0"/>
+              <a:t>diffusion</a:t>
+            </a:r>
+          </a:p>
+          <a:p>
+            <a:r>
+              <a:rPr lang="en-US" dirty="0" smtClean="0"/>
+              <a:t>Implemented VIP synchronization without pixel expansion</a:t>
+            </a:r>
+          </a:p>
+        </p:txBody>
+      </p:sp>
+    </p:spTree>
+    <p:extLst>
+      <p:ext uri="{BB962C8B-B14F-4D97-AF65-F5344CB8AC3E}">
+        <p14:creationId xmlns:p14="http://schemas.microsoft.com/office/powerpoint/2010/main" val="333147344"/>
+      </p:ext>
+    </p:extLst>
+  </p:cSld>
+  <p:clrMapOvr>
+    <a:masterClrMapping/>
+  </p:clrMapOvr>
+  <p:timing>
+    <p:tnLst>
+      <p:par>
+        <p:cTn xmlns:p14="http://schemas.microsoft.com/office/powerpoint/2010/main" id="1" dur="indefinite" restart="never" nodeType="tmRoot"/>
+      </p:par>
+    </p:tnLst>
+  </p:timing>
+</p:sld>
+</file>
+
+<file path=ppt/slides/slide11.xml><?xml version="1.0" encoding="utf-8"?>
+<p:sld xmlns:a="http://schemas.openxmlformats.org/drawingml/2006/main" xmlns:r="http://schemas.openxmlformats.org/officeDocument/2006/relationships" xmlns:p="http://schemas.openxmlformats.org/presentationml/2006/main">
+  <p:cSld>
+    <p:spTree>
+      <p:nvGrpSpPr>
+        <p:cNvPr id="1" name=""/>
+        <p:cNvGrpSpPr/>
+        <p:nvPr/>
+      </p:nvGrpSpPr>
+      <p:grpSpPr>
+        <a:xfrm>
+          <a:off x="0" y="0"/>
+          <a:ext cx="0" cy="0"/>
+          <a:chOff x="0" y="0"/>
+          <a:chExt cx="0" cy="0"/>
+        </a:xfrm>
+      </p:grpSpPr>
+      <p:sp>
+        <p:nvSpPr>
+          <p:cNvPr id="2" name="Title 1"/>
+          <p:cNvSpPr>
+            <a:spLocks noGrp="1"/>
+          </p:cNvSpPr>
+          <p:nvPr>
+            <p:ph type="title"/>
+          </p:nvPr>
+        </p:nvSpPr>
+        <p:spPr/>
+        <p:txBody>
+          <a:bodyPr>
+            <a:normAutofit/>
+          </a:bodyPr>
+          <a:lstStyle/>
+          <a:p>
+            <a:r>
+              <a:rPr lang="en-US" sz="4400" cap="none" dirty="0" smtClean="0">
+                <a:solidFill>
+                  <a:schemeClr val="accent2"/>
+                </a:solidFill>
+              </a:rPr>
+              <a:t>Iteration </a:t>
+            </a:r>
+            <a:r>
+              <a:rPr lang="en-US" sz="4400" cap="none" dirty="0">
+                <a:solidFill>
+                  <a:schemeClr val="accent2"/>
+                </a:solidFill>
+              </a:rPr>
+              <a:t>6</a:t>
+            </a:r>
+            <a:r>
+              <a:rPr lang="en-US" sz="4400" cap="none" dirty="0" smtClean="0">
+                <a:solidFill>
+                  <a:schemeClr val="accent2"/>
+                </a:solidFill>
+              </a:rPr>
+              <a:t> &amp; 7</a:t>
+            </a:r>
+            <a:endParaRPr lang="en-US" sz="4400" cap="none" dirty="0">
+              <a:solidFill>
+                <a:schemeClr val="accent2"/>
+              </a:solidFill>
+            </a:endParaRPr>
+          </a:p>
+        </p:txBody>
+      </p:sp>
+      <p:sp>
+        <p:nvSpPr>
+          <p:cNvPr id="3" name="Content Placeholder 2"/>
+          <p:cNvSpPr>
+            <a:spLocks noGrp="1"/>
+          </p:cNvSpPr>
+          <p:nvPr>
+            <p:ph idx="1"/>
+          </p:nvPr>
+        </p:nvSpPr>
+        <p:spPr/>
+        <p:txBody>
+          <a:bodyPr>
+            <a:normAutofit/>
+          </a:bodyPr>
+          <a:lstStyle/>
+          <a:p>
+            <a:pPr marL="114300" indent="0">
+              <a:buNone/>
+            </a:pPr>
+            <a:r>
+              <a:rPr lang="en-US" dirty="0"/>
+              <a:t>Iteration 6</a:t>
+            </a:r>
+          </a:p>
+          <a:p>
+            <a:r>
+              <a:rPr lang="en-US" dirty="0" smtClean="0"/>
+              <a:t>Added pixel expansion to encoding process</a:t>
+            </a:r>
+          </a:p>
+          <a:p>
+            <a:r>
+              <a:rPr lang="en-US" dirty="0" smtClean="0"/>
+              <a:t>Randomized the order of the expanded pixels</a:t>
+            </a:r>
+          </a:p>
+          <a:p>
+            <a:r>
+              <a:rPr lang="en-US" dirty="0" smtClean="0"/>
+              <a:t>Fixed the encoded shares so they weren’t too dark</a:t>
+            </a:r>
+            <a:endParaRPr lang="en-US" dirty="0"/>
+          </a:p>
+          <a:p>
+            <a:pPr marL="114300" indent="0">
+              <a:buNone/>
+            </a:pPr>
+            <a:r>
+              <a:rPr lang="en-US" dirty="0" smtClean="0"/>
+              <a:t>Iteration 7</a:t>
+            </a:r>
+            <a:endParaRPr lang="en-US" dirty="0"/>
+          </a:p>
+          <a:p>
+            <a:r>
+              <a:rPr lang="en-US" dirty="0" smtClean="0"/>
+              <a:t>Updated the decryption technique (not worried about transparencies)</a:t>
+            </a:r>
+          </a:p>
+          <a:p>
+            <a:r>
+              <a:rPr lang="en-US" dirty="0" smtClean="0"/>
+              <a:t>Added features to make tool more robust</a:t>
+            </a:r>
+          </a:p>
+          <a:p>
+            <a:r>
+              <a:rPr lang="en-US" dirty="0" smtClean="0"/>
+              <a:t>Utilizedαto better blend the encoded images</a:t>
+            </a:r>
+          </a:p>
+          <a:p>
+            <a:endParaRPr lang="en-US" dirty="0" smtClean="0"/>
+          </a:p>
+        </p:txBody>
+      </p:sp>
+    </p:spTree>
+    <p:extLst>
+      <p:ext uri="{BB962C8B-B14F-4D97-AF65-F5344CB8AC3E}">
+        <p14:creationId xmlns:p14="http://schemas.microsoft.com/office/powerpoint/2010/main" val="2649552945"/>
+      </p:ext>
+    </p:extLst>
+  </p:cSld>
+  <p:clrMapOvr>
+    <a:masterClrMapping/>
+  </p:clrMapOvr>
+  <p:timing>
+    <p:tnLst>
+      <p:par>
+        <p:cTn xmlns:p14="http://schemas.microsoft.com/office/powerpoint/2010/main" id="1" dur="indefinite" restart="never" nodeType="tmRoot"/>
+      </p:par>
+    </p:tnLst>
+  </p:timing>
+</p:sld>
+</file>
+
+<file path=ppt/slides/slide12.xml><?xml version="1.0" encoding="utf-8"?>
+<p:sld xmlns:a="http://schemas.openxmlformats.org/drawingml/2006/main" xmlns:r="http://schemas.openxmlformats.org/officeDocument/2006/relationships" xmlns:p="http://schemas.openxmlformats.org/presentationml/2006/main">
+  <p:cSld>
+    <p:spTree>
+      <p:nvGrpSpPr>
+        <p:cNvPr id="1" name=""/>
+        <p:cNvGrpSpPr/>
+        <p:nvPr/>
+      </p:nvGrpSpPr>
+      <p:grpSpPr>
+        <a:xfrm>
+          <a:off x="0" y="0"/>
+          <a:ext cx="0" cy="0"/>
+          <a:chOff x="0" y="0"/>
+          <a:chExt cx="0" cy="0"/>
+        </a:xfrm>
+      </p:grpSpPr>
+      <p:sp>
+        <p:nvSpPr>
+          <p:cNvPr id="2" name="Title 1"/>
+          <p:cNvSpPr>
+            <a:spLocks noGrp="1"/>
+          </p:cNvSpPr>
+          <p:nvPr>
+            <p:ph type="title"/>
+          </p:nvPr>
+        </p:nvSpPr>
+        <p:spPr/>
+        <p:txBody>
+          <a:bodyPr>
+            <a:normAutofit/>
+          </a:bodyPr>
+          <a:lstStyle/>
+          <a:p>
+            <a:r>
+              <a:rPr lang="en-US" sz="4400" cap="none" dirty="0" smtClean="0">
+                <a:solidFill>
+                  <a:schemeClr val="accent2"/>
+                </a:solidFill>
+              </a:rPr>
+              <a:t>Lessons Learned</a:t>
+            </a:r>
+            <a:endParaRPr lang="en-US" sz="4400" cap="none" dirty="0">
+              <a:solidFill>
+                <a:schemeClr val="accent2"/>
+              </a:solidFill>
+            </a:endParaRPr>
+          </a:p>
+        </p:txBody>
+      </p:sp>
+      <p:sp>
+        <p:nvSpPr>
+          <p:cNvPr id="3" name="Content Placeholder 2"/>
+          <p:cNvSpPr>
+            <a:spLocks noGrp="1"/>
+          </p:cNvSpPr>
+          <p:nvPr>
+            <p:ph idx="1"/>
+          </p:nvPr>
+        </p:nvSpPr>
+        <p:spPr/>
+        <p:txBody>
+          <a:bodyPr/>
+          <a:lstStyle/>
+          <a:p>
+            <a:pPr marL="114300" indent="0">
+              <a:buNone/>
+            </a:pPr>
+            <a:r>
+              <a:rPr lang="en-US" dirty="0" smtClean="0"/>
+              <a:t>In terms of process</a:t>
+            </a:r>
+            <a:endParaRPr lang="is-IS" dirty="0" smtClean="0"/>
+          </a:p>
+          <a:p>
+            <a:r>
+              <a:rPr lang="en-US" dirty="0" smtClean="0"/>
+              <a:t>Necessary to have hard deadlines on construction</a:t>
+            </a:r>
+          </a:p>
+          <a:p>
+            <a:r>
+              <a:rPr lang="en-US" dirty="0" smtClean="0"/>
+              <a:t>Adding weekly planning helped balance other commitments with project workload</a:t>
+            </a:r>
+          </a:p>
+          <a:p>
+            <a:pPr marL="114300" indent="0">
+              <a:buNone/>
+            </a:pPr>
+            <a:r>
+              <a:rPr lang="en-US" dirty="0" smtClean="0"/>
+              <a:t>In general</a:t>
+            </a:r>
+          </a:p>
+          <a:p>
+            <a:r>
+              <a:rPr lang="en-US" dirty="0" smtClean="0"/>
+              <a:t>Should have researched better ways to test with images</a:t>
+            </a:r>
+          </a:p>
+          <a:p>
+            <a:r>
+              <a:rPr lang="en-US" dirty="0" smtClean="0"/>
+              <a:t>Documenting as you make progress is a must</a:t>
+            </a:r>
+          </a:p>
+          <a:p>
+            <a:r>
+              <a:rPr lang="en-US" dirty="0" smtClean="0"/>
+              <a:t>Using source control software like </a:t>
+            </a:r>
+            <a:r>
+              <a:rPr lang="en-US" dirty="0" err="1" smtClean="0"/>
+              <a:t>GitHub</a:t>
+            </a:r>
+            <a:r>
+              <a:rPr lang="en-US" dirty="0" smtClean="0"/>
+              <a:t> is also useful in terms of tracking changes</a:t>
+            </a:r>
+            <a:endParaRPr lang="en-US" dirty="0"/>
+          </a:p>
+        </p:txBody>
+      </p:sp>
+    </p:spTree>
+    <p:extLst>
+      <p:ext uri="{BB962C8B-B14F-4D97-AF65-F5344CB8AC3E}">
+        <p14:creationId xmlns:p14="http://schemas.microsoft.com/office/powerpoint/2010/main" val="2641533535"/>
+      </p:ext>
+    </p:extLst>
+  </p:cSld>
+  <p:clrMapOvr>
+    <a:masterClrMapping/>
+  </p:clrMapOvr>
+  <p:timing>
+    <p:tnLst>
+      <p:par>
+        <p:cTn xmlns:p14="http://schemas.microsoft.com/office/powerpoint/2010/main" id="1" dur="indefinite" restart="never" nodeType="tmRoot"/>
+      </p:par>
+    </p:tnLst>
+  </p:timing>
+</p:sld>
+</file>
+
+<file path=ppt/slides/slide13.xml><?xml version="1.0" encoding="utf-8"?>
+<p:sld xmlns:a="http://schemas.openxmlformats.org/drawingml/2006/main" xmlns:r="http://schemas.openxmlformats.org/officeDocument/2006/relationships" xmlns:p="http://schemas.openxmlformats.org/presentationml/2006/main">
+  <p:cSld>
+    <p:spTree>
+      <p:nvGrpSpPr>
+        <p:cNvPr id="1" name=""/>
+        <p:cNvGrpSpPr/>
+        <p:nvPr/>
+      </p:nvGrpSpPr>
+      <p:grpSpPr>
+        <a:xfrm>
+          <a:off x="0" y="0"/>
+          <a:ext cx="0" cy="0"/>
+          <a:chOff x="0" y="0"/>
+          <a:chExt cx="0" cy="0"/>
+        </a:xfrm>
+      </p:grpSpPr>
+      <p:sp>
+        <p:nvSpPr>
+          <p:cNvPr id="2" name="Title 1"/>
+          <p:cNvSpPr>
+            <a:spLocks noGrp="1"/>
+          </p:cNvSpPr>
+          <p:nvPr>
+            <p:ph type="title"/>
+          </p:nvPr>
+        </p:nvSpPr>
+        <p:spPr/>
+        <p:txBody>
+          <a:bodyPr/>
+          <a:lstStyle/>
+          <a:p>
+            <a:r>
+              <a:rPr lang="en-US" sz="4800" cap="none" dirty="0" smtClean="0"/>
+              <a:t>Demonstration</a:t>
+            </a:r>
+            <a:endParaRPr lang="en-US" sz="4800" cap="none" dirty="0"/>
+          </a:p>
+        </p:txBody>
+      </p:sp>
+      <p:sp>
+        <p:nvSpPr>
+          <p:cNvPr id="3" name="Text Placeholder 2"/>
+          <p:cNvSpPr>
+            <a:spLocks noGrp="1"/>
+          </p:cNvSpPr>
+          <p:nvPr>
+            <p:ph type="body" idx="1"/>
+          </p:nvPr>
+        </p:nvSpPr>
+        <p:spPr/>
+        <p:txBody>
+          <a:bodyPr/>
+          <a:lstStyle/>
+          <a:p>
+            <a:r>
+              <a:rPr lang="en-US" cap="none" dirty="0" smtClean="0"/>
+              <a:t> </a:t>
+            </a:r>
+            <a:endParaRPr lang="en-US" cap="none" dirty="0"/>
+          </a:p>
+        </p:txBody>
+      </p:sp>
+    </p:spTree>
+    <p:extLst>
+      <p:ext uri="{BB962C8B-B14F-4D97-AF65-F5344CB8AC3E}">
+        <p14:creationId xmlns:p14="http://schemas.microsoft.com/office/powerpoint/2010/main" val="3153775686"/>
+      </p:ext>
+    </p:extLst>
+  </p:cSld>
+  <p:clrMapOvr>
+    <a:masterClrMapping/>
+  </p:clrMapOvr>
+  <p:timing>
+    <p:tnLst>
+      <p:par>
+        <p:cTn xmlns:p14="http://schemas.microsoft.com/office/powerpoint/2010/main" id="1" dur="indefinite" restart="never" nodeType="tmRoot"/>
+      </p:par>
+    </p:tnLst>
+  </p:timing>
+</p:sld>
+</file>
+
+<file path=ppt/slides/slide14.xml><?xml version="1.0" encoding="utf-8"?>
+<p:sld xmlns:a="http://schemas.openxmlformats.org/drawingml/2006/main" xmlns:r="http://schemas.openxmlformats.org/officeDocument/2006/relationships" xmlns:p="http://schemas.openxmlformats.org/presentationml/2006/main">
+  <p:cSld>
+    <p:spTree>
+      <p:nvGrpSpPr>
+        <p:cNvPr id="1" name=""/>
+        <p:cNvGrpSpPr/>
+        <p:nvPr/>
+      </p:nvGrpSpPr>
+      <p:grpSpPr>
+        <a:xfrm>
+          <a:off x="0" y="0"/>
+          <a:ext cx="0" cy="0"/>
+          <a:chOff x="0" y="0"/>
+          <a:chExt cx="0" cy="0"/>
+        </a:xfrm>
+      </p:grpSpPr>
+      <p:sp>
+        <p:nvSpPr>
+          <p:cNvPr id="2" name="Subtitle 1"/>
+          <p:cNvSpPr>
+            <a:spLocks noGrp="1"/>
+          </p:cNvSpPr>
+          <p:nvPr>
+            <p:ph type="subTitle" idx="1"/>
+          </p:nvPr>
+        </p:nvSpPr>
+        <p:spPr/>
+        <p:txBody>
+          <a:bodyPr>
+            <a:normAutofit/>
+          </a:bodyPr>
+          <a:lstStyle/>
+          <a:p>
+            <a:r>
+              <a:rPr lang="en-US" cap="none" smtClean="0"/>
+              <a:t> </a:t>
+            </a:r>
+            <a:endParaRPr lang="en-US" cap="none" dirty="0"/>
+          </a:p>
+        </p:txBody>
+      </p:sp>
+      <p:sp>
+        <p:nvSpPr>
+          <p:cNvPr id="3" name="Title 2"/>
+          <p:cNvSpPr>
+            <a:spLocks noGrp="1"/>
+          </p:cNvSpPr>
+          <p:nvPr>
+            <p:ph type="ctrTitle"/>
+          </p:nvPr>
+        </p:nvSpPr>
+        <p:spPr/>
+        <p:txBody>
+          <a:bodyPr/>
+          <a:lstStyle/>
+          <a:p>
+            <a:r>
+              <a:rPr lang="en-US" sz="4400" cap="none" dirty="0" smtClean="0"/>
+              <a:t>Any Questions?</a:t>
+            </a:r>
+            <a:endParaRPr lang="en-US" sz="4400" cap="none" dirty="0"/>
+          </a:p>
+        </p:txBody>
+      </p:sp>
+    </p:spTree>
+    <p:extLst>
+      <p:ext uri="{BB962C8B-B14F-4D97-AF65-F5344CB8AC3E}">
+        <p14:creationId xmlns:p14="http://schemas.microsoft.com/office/powerpoint/2010/main" val="1351835569"/>
+      </p:ext>
+    </p:extLst>
+  </p:cSld>
+  <p:clrMapOvr>
+    <a:masterClrMapping/>
+  </p:clrMapOvr>
+  <p:timing>
+    <p:tnLst>
+      <p:par>
+        <p:cTn xmlns:p14="http://schemas.microsoft.com/office/powerpoint/2010/main" id="1" dur="indefinite" restart="never" nodeType="tmRoot"/>
+      </p:par>
+    </p:tnLst>
+  </p:timing>
+</p:sld>
+</file>
+
 <file path=ppt/slides/slide2.xml><?xml version="1.0" encoding="utf-8"?>
 <p:sld xmlns:a="http://schemas.openxmlformats.org/drawingml/2006/main" xmlns:r="http://schemas.openxmlformats.org/officeDocument/2006/relationships" xmlns:p="http://schemas.openxmlformats.org/presentationml/2006/main">
   <p:cSld>
@@ -5421,7 +7262,7 @@
                   <a:schemeClr val="accent2"/>
                 </a:solidFill>
               </a:rPr>
-              <a:t>Solution ~ Encryption</a:t>
+              <a:t>Solution ~ System Overview</a:t>
             </a:r>
             <a:endParaRPr lang="en-US" sz="4400" cap="none" dirty="0">
               <a:solidFill>
@@ -5431,102 +7272,35 @@
           </a:p>
         </p:txBody>
       </p:sp>
-      <p:sp>
-        <p:nvSpPr>
-          <p:cNvPr id="3" name="Content Placeholder 2"/>
-          <p:cNvSpPr>
-            <a:spLocks noGrp="1"/>
-          </p:cNvSpPr>
+      <p:pic>
+        <p:nvPicPr>
+          <p:cNvPr id="4" name="Content Placeholder 3" descr="updatedUMLClassWithDependenciesImage.png"/>
+          <p:cNvPicPr>
+            <a:picLocks noGrp="1" noChangeAspect="1"/>
+          </p:cNvPicPr>
           <p:nvPr>
             <p:ph idx="1"/>
           </p:nvPr>
-        </p:nvSpPr>
-        <p:spPr/>
-        <p:txBody>
-          <a:bodyPr/>
-          <a:lstStyle/>
-          <a:p>
-            <a:pPr marL="571500" indent="-457200">
-              <a:buFont typeface="+mj-lt"/>
-              <a:buAutoNum type="arabicPeriod"/>
-            </a:pPr>
-            <a:endParaRPr lang="en-US" dirty="0" smtClean="0"/>
-          </a:p>
-          <a:p>
-            <a:pPr marL="571500" indent="-457200">
-              <a:buFont typeface="+mj-lt"/>
-              <a:buAutoNum type="arabicPeriod"/>
-            </a:pPr>
-            <a:r>
-              <a:rPr lang="en-US" dirty="0" smtClean="0"/>
-              <a:t>Error Diffuse Cover Images</a:t>
-            </a:r>
-          </a:p>
-          <a:p>
-            <a:pPr marL="571500" indent="-457200">
-              <a:buFont typeface="+mj-lt"/>
-              <a:buAutoNum type="arabicPeriod"/>
-            </a:pPr>
-            <a:r>
-              <a:rPr lang="en-US" dirty="0" smtClean="0"/>
-              <a:t>Split Secret Message into Red, Green, and Blue Shares</a:t>
-            </a:r>
-          </a:p>
-          <a:p>
-            <a:pPr marL="571500" indent="-457200">
-              <a:buFont typeface="+mj-lt"/>
-              <a:buAutoNum type="arabicPeriod"/>
-            </a:pPr>
-            <a:r>
-              <a:rPr lang="en-US" dirty="0" smtClean="0"/>
-              <a:t>Perform VIP Synchronization</a:t>
-            </a:r>
-          </a:p>
-          <a:p>
-            <a:pPr lvl="1"/>
-            <a:r>
-              <a:rPr lang="en-US" dirty="0" smtClean="0"/>
-              <a:t>Pixel Expansion in Random Order</a:t>
-            </a:r>
-          </a:p>
-          <a:p>
-            <a:pPr lvl="2"/>
-            <a:r>
-              <a:rPr lang="en-US" dirty="0" smtClean="0"/>
-              <a:t>Red share, Green share, Blue share, Cover pixel</a:t>
-            </a:r>
-          </a:p>
-          <a:p>
-            <a:pPr lvl="1"/>
-            <a:r>
-              <a:rPr lang="en-US" dirty="0" smtClean="0"/>
-              <a:t>Calculate Alpha Values</a:t>
-            </a:r>
-          </a:p>
-          <a:p>
-            <a:pPr lvl="1"/>
-            <a:r>
-              <a:rPr lang="en-US" dirty="0" smtClean="0"/>
-              <a:t>Store ARGB into Encoded Array</a:t>
-            </a:r>
-          </a:p>
-          <a:p>
-            <a:pPr marL="571500" indent="-457200">
-              <a:buFont typeface="+mj-lt"/>
-              <a:buAutoNum type="arabicPeriod"/>
-            </a:pPr>
-            <a:r>
-              <a:rPr lang="en-US" dirty="0" smtClean="0"/>
-              <a:t>Error Diffuse Encoded Images</a:t>
-            </a:r>
-            <a:endParaRPr lang="en-US" dirty="0"/>
-          </a:p>
-        </p:txBody>
-      </p:sp>
+        </p:nvPicPr>
+        <p:blipFill>
+          <a:blip r:embed="rId3">
+            <a:extLst>
+              <a:ext uri="{28A0092B-C50C-407E-A947-70E740481C1C}">
+                <a14:useLocalDpi xmlns:a14="http://schemas.microsoft.com/office/drawing/2010/main" val="0"/>
+              </a:ext>
+            </a:extLst>
+          </a:blip>
+          <a:srcRect l="-29360" r="-29360"/>
+          <a:stretch>
+            <a:fillRect/>
+          </a:stretch>
+        </p:blipFill>
+        <p:spPr/>
+      </p:pic>
     </p:spTree>
     <p:extLst>
       <p:ext uri="{BB962C8B-B14F-4D97-AF65-F5344CB8AC3E}">
-        <p14:creationId xmlns:p14="http://schemas.microsoft.com/office/powerpoint/2010/main" val="2641533535"/>
+        <p14:creationId xmlns:p14="http://schemas.microsoft.com/office/powerpoint/2010/main" val="337959124"/>
       </p:ext>
     </p:extLst>
   </p:cSld>
@@ -5583,6 +7357,168 @@
                   <a:schemeClr val="accent2"/>
                 </a:solidFill>
               </a:rPr>
+              <a:t>Solution ~ Encryption</a:t>
+            </a:r>
+            <a:endParaRPr lang="en-US" sz="4400" cap="none" dirty="0">
+              <a:solidFill>
+                <a:schemeClr val="accent2"/>
+              </a:solidFill>
+            </a:endParaRPr>
+          </a:p>
+        </p:txBody>
+      </p:sp>
+      <p:sp>
+        <p:nvSpPr>
+          <p:cNvPr id="3" name="Content Placeholder 2"/>
+          <p:cNvSpPr>
+            <a:spLocks noGrp="1"/>
+          </p:cNvSpPr>
+          <p:nvPr>
+            <p:ph idx="1"/>
+          </p:nvPr>
+        </p:nvSpPr>
+        <p:spPr/>
+        <p:txBody>
+          <a:bodyPr/>
+          <a:lstStyle/>
+          <a:p>
+            <a:pPr marL="571500" indent="-457200">
+              <a:buFont typeface="+mj-lt"/>
+              <a:buAutoNum type="arabicPeriod"/>
+            </a:pPr>
+            <a:endParaRPr lang="en-US" dirty="0" smtClean="0"/>
+          </a:p>
+          <a:p>
+            <a:pPr marL="571500" indent="-457200">
+              <a:buFont typeface="+mj-lt"/>
+              <a:buAutoNum type="arabicPeriod"/>
+            </a:pPr>
+            <a:r>
+              <a:rPr lang="en-US" dirty="0" smtClean="0"/>
+              <a:t>Error Diffuse Cover Images</a:t>
+            </a:r>
+          </a:p>
+          <a:p>
+            <a:pPr marL="571500" indent="-457200">
+              <a:buFont typeface="+mj-lt"/>
+              <a:buAutoNum type="arabicPeriod"/>
+            </a:pPr>
+            <a:r>
+              <a:rPr lang="en-US" dirty="0" smtClean="0"/>
+              <a:t>Split Secret Message into Red, Green, and Blue Shares</a:t>
+            </a:r>
+          </a:p>
+          <a:p>
+            <a:pPr marL="571500" indent="-457200">
+              <a:buFont typeface="+mj-lt"/>
+              <a:buAutoNum type="arabicPeriod"/>
+            </a:pPr>
+            <a:r>
+              <a:rPr lang="en-US" dirty="0" smtClean="0"/>
+              <a:t>Perform VIP Synchronization</a:t>
+            </a:r>
+          </a:p>
+          <a:p>
+            <a:pPr lvl="1"/>
+            <a:r>
+              <a:rPr lang="en-US" dirty="0" smtClean="0"/>
+              <a:t>Pixel Expansion in Random Order</a:t>
+            </a:r>
+          </a:p>
+          <a:p>
+            <a:pPr lvl="2"/>
+            <a:r>
+              <a:rPr lang="en-US" dirty="0" smtClean="0"/>
+              <a:t>Red share, Green share, Blue share, Cover pixel</a:t>
+            </a:r>
+          </a:p>
+          <a:p>
+            <a:pPr lvl="1"/>
+            <a:r>
+              <a:rPr lang="en-US" dirty="0" smtClean="0"/>
+              <a:t>Calculate Alpha Values</a:t>
+            </a:r>
+          </a:p>
+          <a:p>
+            <a:pPr lvl="1"/>
+            <a:r>
+              <a:rPr lang="en-US" dirty="0" smtClean="0"/>
+              <a:t>Store ARGB into Encoded Array</a:t>
+            </a:r>
+          </a:p>
+          <a:p>
+            <a:pPr marL="571500" indent="-457200">
+              <a:buFont typeface="+mj-lt"/>
+              <a:buAutoNum type="arabicPeriod"/>
+            </a:pPr>
+            <a:r>
+              <a:rPr lang="en-US" dirty="0" smtClean="0"/>
+              <a:t>Error Diffuse Encoded Images</a:t>
+            </a:r>
+            <a:endParaRPr lang="en-US" dirty="0"/>
+          </a:p>
+        </p:txBody>
+      </p:sp>
+    </p:spTree>
+    <p:extLst>
+      <p:ext uri="{BB962C8B-B14F-4D97-AF65-F5344CB8AC3E}">
+        <p14:creationId xmlns:p14="http://schemas.microsoft.com/office/powerpoint/2010/main" val="2641533535"/>
+      </p:ext>
+    </p:extLst>
+  </p:cSld>
+  <p:clrMapOvr>
+    <a:masterClrMapping/>
+  </p:clrMapOvr>
+  <p:timing>
+    <p:tnLst>
+      <p:par>
+        <p:cTn xmlns:p14="http://schemas.microsoft.com/office/powerpoint/2010/main" id="1" dur="indefinite" restart="never" nodeType="tmRoot"/>
+      </p:par>
+    </p:tnLst>
+  </p:timing>
+</p:sld>
+</file>
+
+<file path=ppt/slides/slide5.xml><?xml version="1.0" encoding="utf-8"?>
+<p:sld xmlns:a="http://schemas.openxmlformats.org/drawingml/2006/main" xmlns:r="http://schemas.openxmlformats.org/officeDocument/2006/relationships" xmlns:p="http://schemas.openxmlformats.org/presentationml/2006/main">
+  <p:cSld>
+    <p:spTree>
+      <p:nvGrpSpPr>
+        <p:cNvPr id="1" name=""/>
+        <p:cNvGrpSpPr/>
+        <p:nvPr/>
+      </p:nvGrpSpPr>
+      <p:grpSpPr>
+        <a:xfrm>
+          <a:off x="0" y="0"/>
+          <a:ext cx="0" cy="0"/>
+          <a:chOff x="0" y="0"/>
+          <a:chExt cx="0" cy="0"/>
+        </a:xfrm>
+      </p:grpSpPr>
+      <p:sp>
+        <p:nvSpPr>
+          <p:cNvPr id="2" name="Title 1"/>
+          <p:cNvSpPr>
+            <a:spLocks noGrp="1"/>
+          </p:cNvSpPr>
+          <p:nvPr>
+            <p:ph type="title"/>
+          </p:nvPr>
+        </p:nvSpPr>
+        <p:spPr/>
+        <p:txBody>
+          <a:bodyPr>
+            <a:normAutofit/>
+          </a:bodyPr>
+          <a:lstStyle/>
+          <a:p>
+            <a:r>
+              <a:rPr lang="en-US" sz="4400" cap="none" dirty="0" smtClean="0">
+                <a:solidFill>
+                  <a:schemeClr val="accent2"/>
+                </a:solidFill>
+              </a:rPr>
               <a:t>Solution ~ Decryption</a:t>
             </a:r>
             <a:endParaRPr lang="en-US" sz="4400" cap="none" dirty="0">
@@ -5695,7 +7631,7 @@
 </p:sld>
 </file>
 
-<file path=ppt/slides/slide5.xml><?xml version="1.0" encoding="utf-8"?>
+<file path=ppt/slides/slide6.xml><?xml version="1.0" encoding="utf-8"?>
 <p:sld xmlns:a="http://schemas.openxmlformats.org/drawingml/2006/main" xmlns:r="http://schemas.openxmlformats.org/officeDocument/2006/relationships" xmlns:p="http://schemas.openxmlformats.org/presentationml/2006/main">
   <p:cSld>
     <p:spTree>
@@ -5804,150 +7740,6 @@
 </p:sld>
 </file>
 
-<file path=ppt/slides/slide6.xml><?xml version="1.0" encoding="utf-8"?>
-<p:sld xmlns:a="http://schemas.openxmlformats.org/drawingml/2006/main" xmlns:r="http://schemas.openxmlformats.org/officeDocument/2006/relationships" xmlns:p="http://schemas.openxmlformats.org/presentationml/2006/main">
-  <p:cSld>
-    <p:spTree>
-      <p:nvGrpSpPr>
-        <p:cNvPr id="1" name=""/>
-        <p:cNvGrpSpPr/>
-        <p:nvPr/>
-      </p:nvGrpSpPr>
-      <p:grpSpPr>
-        <a:xfrm>
-          <a:off x="0" y="0"/>
-          <a:ext cx="0" cy="0"/>
-          <a:chOff x="0" y="0"/>
-          <a:chExt cx="0" cy="0"/>
-        </a:xfrm>
-      </p:grpSpPr>
-      <p:sp>
-        <p:nvSpPr>
-          <p:cNvPr id="2" name="Title 1"/>
-          <p:cNvSpPr>
-            <a:spLocks noGrp="1"/>
-          </p:cNvSpPr>
-          <p:nvPr>
-            <p:ph type="title"/>
-          </p:nvPr>
-        </p:nvSpPr>
-        <p:spPr/>
-        <p:txBody>
-          <a:bodyPr>
-            <a:normAutofit/>
-          </a:bodyPr>
-          <a:lstStyle/>
-          <a:p>
-            <a:r>
-              <a:rPr lang="en-US" sz="4400" cap="none" dirty="0" smtClean="0">
-                <a:solidFill>
-                  <a:schemeClr val="accent2"/>
-                </a:solidFill>
-              </a:rPr>
-              <a:t>Lessons Learned</a:t>
-            </a:r>
-            <a:endParaRPr lang="en-US" sz="4400" cap="none" dirty="0">
-              <a:solidFill>
-                <a:schemeClr val="accent2"/>
-              </a:solidFill>
-            </a:endParaRPr>
-          </a:p>
-        </p:txBody>
-      </p:sp>
-      <p:sp>
-        <p:nvSpPr>
-          <p:cNvPr id="3" name="Content Placeholder 2"/>
-          <p:cNvSpPr>
-            <a:spLocks noGrp="1"/>
-          </p:cNvSpPr>
-          <p:nvPr>
-            <p:ph idx="1"/>
-          </p:nvPr>
-        </p:nvSpPr>
-        <p:spPr/>
-        <p:txBody>
-          <a:bodyPr/>
-          <a:lstStyle/>
-          <a:p>
-            <a:pPr marL="114300" indent="0">
-              <a:buNone/>
-            </a:pPr>
-            <a:r>
-              <a:rPr lang="en-US" dirty="0" smtClean="0"/>
-              <a:t>In terms of process</a:t>
-            </a:r>
-            <a:endParaRPr lang="is-IS" dirty="0" smtClean="0"/>
-          </a:p>
-          <a:p>
-            <a:r>
-              <a:rPr lang="en-US" dirty="0" smtClean="0"/>
-              <a:t>Necessary to have hard deadlines on construction</a:t>
-            </a:r>
-          </a:p>
-          <a:p>
-            <a:r>
-              <a:rPr lang="en-US" dirty="0" smtClean="0"/>
-              <a:t>Adding weekly planning helped balance other commitments with project workload</a:t>
-            </a:r>
-          </a:p>
-          <a:p>
-            <a:pPr marL="114300" indent="0">
-              <a:buNone/>
-            </a:pPr>
-            <a:r>
-              <a:rPr lang="en-US" dirty="0" smtClean="0"/>
-              <a:t>In general</a:t>
-            </a:r>
-          </a:p>
-          <a:p>
-            <a:r>
-              <a:rPr lang="en-US" dirty="0" smtClean="0"/>
-              <a:t>Should have researched better ways to test with images</a:t>
-            </a:r>
-          </a:p>
-          <a:p>
-            <a:r>
-              <a:rPr lang="en-US" dirty="0" smtClean="0"/>
-              <a:t>Documenting as you make progress is a must</a:t>
-            </a:r>
-          </a:p>
-          <a:p>
-            <a:r>
-              <a:rPr lang="en-US" dirty="0" smtClean="0"/>
-              <a:t>Using source control software like </a:t>
-            </a:r>
-            <a:r>
-              <a:rPr lang="en-US" dirty="0" err="1" smtClean="0"/>
-              <a:t>GitHub</a:t>
-            </a:r>
-            <a:r>
-              <a:rPr lang="en-US" dirty="0" smtClean="0"/>
-              <a:t> is also useful in terms of tracking changes</a:t>
-            </a:r>
-            <a:endParaRPr lang="en-US" dirty="0"/>
-          </a:p>
-        </p:txBody>
-      </p:sp>
-    </p:spTree>
-    <p:extLst>
-      <p:ext uri="{BB962C8B-B14F-4D97-AF65-F5344CB8AC3E}">
-        <p14:creationId xmlns:p14="http://schemas.microsoft.com/office/powerpoint/2010/main" val="2641533535"/>
-      </p:ext>
-    </p:extLst>
-  </p:cSld>
-  <p:clrMapOvr>
-    <a:masterClrMapping/>
-  </p:clrMapOvr>
-  <p:timing>
-    <p:tnLst>
-      <p:par>
-        <p:cTn xmlns:p14="http://schemas.microsoft.com/office/powerpoint/2010/main" id="1" dur="indefinite" restart="never" nodeType="tmRoot"/>
-      </p:par>
-    </p:tnLst>
-  </p:timing>
-</p:sld>
-</file>
-
 <file path=ppt/slides/slide7.xml><?xml version="1.0" encoding="utf-8"?>
 <p:sld xmlns:a="http://schemas.openxmlformats.org/drawingml/2006/main" xmlns:r="http://schemas.openxmlformats.org/officeDocument/2006/relationships" xmlns:p="http://schemas.openxmlformats.org/presentationml/2006/main">
   <p:cSld>
@@ -5977,44 +7769,341 @@
         </p:nvSpPr>
         <p:spPr/>
         <p:txBody>
+          <a:bodyPr>
+            <a:normAutofit/>
+          </a:bodyPr>
+          <a:lstStyle/>
+          <a:p>
+            <a:r>
+              <a:rPr lang="en-US" sz="4400" cap="none" dirty="0" smtClean="0">
+                <a:solidFill>
+                  <a:schemeClr val="accent2"/>
+                </a:solidFill>
+              </a:rPr>
+              <a:t>Iteration 0</a:t>
+            </a:r>
+            <a:endParaRPr lang="en-US" sz="4400" cap="none" dirty="0">
+              <a:solidFill>
+                <a:schemeClr val="accent2"/>
+              </a:solidFill>
+            </a:endParaRPr>
+          </a:p>
+        </p:txBody>
+      </p:sp>
+      <p:sp>
+        <p:nvSpPr>
+          <p:cNvPr id="3" name="Content Placeholder 2"/>
+          <p:cNvSpPr>
+            <a:spLocks noGrp="1"/>
+          </p:cNvSpPr>
+          <p:nvPr>
+            <p:ph idx="1"/>
+          </p:nvPr>
+        </p:nvSpPr>
+        <p:spPr/>
+        <p:txBody>
           <a:bodyPr/>
           <a:lstStyle/>
           <a:p>
             <a:r>
-              <a:rPr lang="en-US" sz="4800" cap="none" dirty="0" smtClean="0"/>
-              <a:t>Demonstration</a:t>
-            </a:r>
-            <a:endParaRPr lang="en-US" sz="4800" cap="none" dirty="0"/>
-          </a:p>
-        </p:txBody>
-      </p:sp>
-      <p:sp>
-        <p:nvSpPr>
-          <p:cNvPr id="3" name="Text Placeholder 2"/>
-          <p:cNvSpPr>
-            <a:spLocks noGrp="1"/>
-          </p:cNvSpPr>
-          <p:nvPr>
-            <p:ph type="body" idx="1"/>
-          </p:nvPr>
-        </p:nvSpPr>
-        <p:spPr/>
-        <p:txBody>
-          <a:bodyPr/>
-          <a:lstStyle/>
-          <a:p>
-            <a:r>
-              <a:rPr lang="en-US" cap="none" dirty="0" smtClean="0"/>
-              <a:t> </a:t>
-            </a:r>
-            <a:endParaRPr lang="en-US" cap="none" dirty="0"/>
+              <a:rPr lang="en-US" dirty="0" smtClean="0"/>
+              <a:t>Occurred over the summer before fully settling on a project</a:t>
+            </a:r>
+          </a:p>
+          <a:p>
+            <a:r>
+              <a:rPr lang="en-US" dirty="0" smtClean="0"/>
+              <a:t>Dabbled with different visual cryptography schemes</a:t>
+            </a:r>
+          </a:p>
+          <a:p>
+            <a:pPr lvl="1"/>
+            <a:r>
+              <a:rPr lang="en-US" dirty="0" smtClean="0"/>
+              <a:t>Size Invariant</a:t>
+            </a:r>
+          </a:p>
+          <a:p>
+            <a:pPr lvl="1"/>
+            <a:r>
+              <a:rPr lang="en-US" dirty="0" smtClean="0"/>
+              <a:t>Extended</a:t>
+            </a:r>
+            <a:endParaRPr lang="en-US" dirty="0"/>
           </a:p>
         </p:txBody>
       </p:sp>
     </p:spTree>
     <p:extLst>
       <p:ext uri="{BB962C8B-B14F-4D97-AF65-F5344CB8AC3E}">
-        <p14:creationId xmlns:p14="http://schemas.microsoft.com/office/powerpoint/2010/main" val="3153775686"/>
+        <p14:creationId xmlns:p14="http://schemas.microsoft.com/office/powerpoint/2010/main" val="2867826375"/>
+      </p:ext>
+    </p:extLst>
+  </p:cSld>
+  <p:clrMapOvr>
+    <a:masterClrMapping/>
+  </p:clrMapOvr>
+  <p:timing>
+    <p:tnLst>
+      <p:par>
+        <p:cTn xmlns:p14="http://schemas.microsoft.com/office/powerpoint/2010/main" id="1" dur="indefinite" restart="never" nodeType="tmRoot"/>
+      </p:par>
+    </p:tnLst>
+  </p:timing>
+</p:sld>
+</file>
+
+<file path=ppt/slides/slide8.xml><?xml version="1.0" encoding="utf-8"?>
+<p:sld xmlns:a="http://schemas.openxmlformats.org/drawingml/2006/main" xmlns:r="http://schemas.openxmlformats.org/officeDocument/2006/relationships" xmlns:p="http://schemas.openxmlformats.org/presentationml/2006/main">
+  <p:cSld>
+    <p:spTree>
+      <p:nvGrpSpPr>
+        <p:cNvPr id="1" name=""/>
+        <p:cNvGrpSpPr/>
+        <p:nvPr/>
+      </p:nvGrpSpPr>
+      <p:grpSpPr>
+        <a:xfrm>
+          <a:off x="0" y="0"/>
+          <a:ext cx="0" cy="0"/>
+          <a:chOff x="0" y="0"/>
+          <a:chExt cx="0" cy="0"/>
+        </a:xfrm>
+      </p:grpSpPr>
+      <p:sp>
+        <p:nvSpPr>
+          <p:cNvPr id="2" name="Title 1"/>
+          <p:cNvSpPr>
+            <a:spLocks noGrp="1"/>
+          </p:cNvSpPr>
+          <p:nvPr>
+            <p:ph type="title"/>
+          </p:nvPr>
+        </p:nvSpPr>
+        <p:spPr/>
+        <p:txBody>
+          <a:bodyPr>
+            <a:normAutofit/>
+          </a:bodyPr>
+          <a:lstStyle/>
+          <a:p>
+            <a:r>
+              <a:rPr lang="en-US" sz="4400" cap="none" dirty="0" smtClean="0">
+                <a:solidFill>
+                  <a:schemeClr val="accent2"/>
+                </a:solidFill>
+              </a:rPr>
+              <a:t>Iteration 1</a:t>
+            </a:r>
+            <a:endParaRPr lang="en-US" sz="4400" cap="none" dirty="0">
+              <a:solidFill>
+                <a:schemeClr val="accent2"/>
+              </a:solidFill>
+            </a:endParaRPr>
+          </a:p>
+        </p:txBody>
+      </p:sp>
+      <p:sp>
+        <p:nvSpPr>
+          <p:cNvPr id="3" name="Content Placeholder 2"/>
+          <p:cNvSpPr>
+            <a:spLocks noGrp="1"/>
+          </p:cNvSpPr>
+          <p:nvPr>
+            <p:ph idx="1"/>
+          </p:nvPr>
+        </p:nvSpPr>
+        <p:spPr/>
+        <p:txBody>
+          <a:bodyPr/>
+          <a:lstStyle/>
+          <a:p>
+            <a:r>
+              <a:rPr lang="en-US" dirty="0" smtClean="0"/>
+              <a:t>Created project </a:t>
+            </a:r>
+            <a:r>
+              <a:rPr lang="en-US" dirty="0"/>
+              <a:t>p</a:t>
+            </a:r>
+            <a:r>
+              <a:rPr lang="en-US" dirty="0" smtClean="0"/>
+              <a:t>ackage with </a:t>
+            </a:r>
+            <a:r>
+              <a:rPr lang="en-US" dirty="0" err="1" smtClean="0"/>
+              <a:t>NetBeans</a:t>
+            </a:r>
+            <a:endParaRPr lang="en-US" dirty="0" smtClean="0"/>
+          </a:p>
+          <a:p>
+            <a:r>
+              <a:rPr lang="en-US" dirty="0" smtClean="0"/>
+              <a:t>Created GUI for program</a:t>
+            </a:r>
+          </a:p>
+          <a:p>
+            <a:pPr lvl="1"/>
+            <a:r>
+              <a:rPr lang="en-US" dirty="0" smtClean="0"/>
+              <a:t>Main/Welcome, Encode, and Decode Windows</a:t>
+            </a:r>
+          </a:p>
+          <a:p>
+            <a:r>
+              <a:rPr lang="en-US" dirty="0" smtClean="0"/>
+              <a:t>Ported code from Iteration 0 into project</a:t>
+            </a:r>
+          </a:p>
+          <a:p>
+            <a:r>
+              <a:rPr lang="en-US" dirty="0" smtClean="0"/>
+              <a:t>Tested GUI and </a:t>
+            </a:r>
+            <a:r>
+              <a:rPr lang="en-US" dirty="0" err="1" smtClean="0"/>
+              <a:t>ExtendedVCS</a:t>
+            </a:r>
+            <a:r>
+              <a:rPr lang="en-US" dirty="0" smtClean="0"/>
+              <a:t> class worked with black and white images</a:t>
+            </a:r>
+            <a:endParaRPr lang="en-US" dirty="0"/>
+          </a:p>
+        </p:txBody>
+      </p:sp>
+    </p:spTree>
+    <p:extLst>
+      <p:ext uri="{BB962C8B-B14F-4D97-AF65-F5344CB8AC3E}">
+        <p14:creationId xmlns:p14="http://schemas.microsoft.com/office/powerpoint/2010/main" val="4078530423"/>
+      </p:ext>
+    </p:extLst>
+  </p:cSld>
+  <p:clrMapOvr>
+    <a:masterClrMapping/>
+  </p:clrMapOvr>
+  <p:timing>
+    <p:tnLst>
+      <p:par>
+        <p:cTn xmlns:p14="http://schemas.microsoft.com/office/powerpoint/2010/main" id="1" dur="indefinite" restart="never" nodeType="tmRoot"/>
+      </p:par>
+    </p:tnLst>
+  </p:timing>
+</p:sld>
+</file>
+
+<file path=ppt/slides/slide9.xml><?xml version="1.0" encoding="utf-8"?>
+<p:sld xmlns:a="http://schemas.openxmlformats.org/drawingml/2006/main" xmlns:r="http://schemas.openxmlformats.org/officeDocument/2006/relationships" xmlns:p="http://schemas.openxmlformats.org/presentationml/2006/main">
+  <p:cSld>
+    <p:spTree>
+      <p:nvGrpSpPr>
+        <p:cNvPr id="1" name=""/>
+        <p:cNvGrpSpPr/>
+        <p:nvPr/>
+      </p:nvGrpSpPr>
+      <p:grpSpPr>
+        <a:xfrm>
+          <a:off x="0" y="0"/>
+          <a:ext cx="0" cy="0"/>
+          <a:chOff x="0" y="0"/>
+          <a:chExt cx="0" cy="0"/>
+        </a:xfrm>
+      </p:grpSpPr>
+      <p:sp>
+        <p:nvSpPr>
+          <p:cNvPr id="2" name="Title 1"/>
+          <p:cNvSpPr>
+            <a:spLocks noGrp="1"/>
+          </p:cNvSpPr>
+          <p:nvPr>
+            <p:ph type="title"/>
+          </p:nvPr>
+        </p:nvSpPr>
+        <p:spPr/>
+        <p:txBody>
+          <a:bodyPr>
+            <a:normAutofit/>
+          </a:bodyPr>
+          <a:lstStyle/>
+          <a:p>
+            <a:r>
+              <a:rPr lang="en-US" sz="4400" cap="none" dirty="0" smtClean="0">
+                <a:solidFill>
+                  <a:schemeClr val="accent2"/>
+                </a:solidFill>
+              </a:rPr>
+              <a:t>Iterations 2 &amp; 3</a:t>
+            </a:r>
+            <a:endParaRPr lang="en-US" sz="4400" cap="none" dirty="0">
+              <a:solidFill>
+                <a:schemeClr val="accent2"/>
+              </a:solidFill>
+            </a:endParaRPr>
+          </a:p>
+        </p:txBody>
+      </p:sp>
+      <p:sp>
+        <p:nvSpPr>
+          <p:cNvPr id="3" name="Content Placeholder 2"/>
+          <p:cNvSpPr>
+            <a:spLocks noGrp="1"/>
+          </p:cNvSpPr>
+          <p:nvPr>
+            <p:ph idx="1"/>
+          </p:nvPr>
+        </p:nvSpPr>
+        <p:spPr/>
+        <p:txBody>
+          <a:bodyPr/>
+          <a:lstStyle/>
+          <a:p>
+            <a:pPr marL="114300" indent="0">
+              <a:buNone/>
+            </a:pPr>
+            <a:r>
+              <a:rPr lang="en-US" dirty="0" smtClean="0"/>
+              <a:t>Iteration 2</a:t>
+            </a:r>
+          </a:p>
+          <a:p>
+            <a:r>
+              <a:rPr lang="en-US" dirty="0" smtClean="0"/>
+              <a:t>Researched halftone visual cryptography</a:t>
+            </a:r>
+          </a:p>
+          <a:p>
+            <a:r>
+              <a:rPr lang="en-US" dirty="0" smtClean="0"/>
+              <a:t>Looked for strategies to combine extended with halftone</a:t>
+            </a:r>
+          </a:p>
+          <a:p>
+            <a:pPr marL="114300" indent="0">
+              <a:buNone/>
+            </a:pPr>
+            <a:r>
+              <a:rPr lang="en-US" dirty="0" smtClean="0"/>
+              <a:t>Iteration 3</a:t>
+            </a:r>
+          </a:p>
+          <a:p>
+            <a:r>
+              <a:rPr lang="en-US" dirty="0" smtClean="0"/>
+              <a:t>Implemented gray scale encryption and decryption</a:t>
+            </a:r>
+          </a:p>
+          <a:p>
+            <a:r>
+              <a:rPr lang="en-US" dirty="0" smtClean="0"/>
+              <a:t>Added success messages to improve user interaction</a:t>
+            </a:r>
+          </a:p>
+        </p:txBody>
+      </p:sp>
+    </p:spTree>
+    <p:extLst>
+      <p:ext uri="{BB962C8B-B14F-4D97-AF65-F5344CB8AC3E}">
+        <p14:creationId xmlns:p14="http://schemas.microsoft.com/office/powerpoint/2010/main" val="2155732957"/>
       </p:ext>
     </p:extLst>
   </p:cSld>

--- a/Documentation/MastersDefense.pptx
+++ b/Documentation/MastersDefense.pptx
@@ -898,6 +898,90 @@
 </file>
 
 <file path=ppt/notesSlides/notesSlide13.xml><?xml version="1.0" encoding="utf-8"?>
+<p:notes xmlns:a="http://schemas.openxmlformats.org/drawingml/2006/main" xmlns:r="http://schemas.openxmlformats.org/officeDocument/2006/relationships" xmlns:p="http://schemas.openxmlformats.org/presentationml/2006/main">
+  <p:cSld>
+    <p:spTree>
+      <p:nvGrpSpPr>
+        <p:cNvPr id="1" name=""/>
+        <p:cNvGrpSpPr/>
+        <p:nvPr/>
+      </p:nvGrpSpPr>
+      <p:grpSpPr>
+        <a:xfrm>
+          <a:off x="0" y="0"/>
+          <a:ext cx="0" cy="0"/>
+          <a:chOff x="0" y="0"/>
+          <a:chExt cx="0" cy="0"/>
+        </a:xfrm>
+      </p:grpSpPr>
+      <p:sp>
+        <p:nvSpPr>
+          <p:cNvPr id="2" name="Slide Image Placeholder 1"/>
+          <p:cNvSpPr>
+            <a:spLocks noGrp="1" noRot="1" noChangeAspect="1"/>
+          </p:cNvSpPr>
+          <p:nvPr>
+            <p:ph type="sldImg"/>
+          </p:nvPr>
+        </p:nvSpPr>
+        <p:spPr/>
+      </p:sp>
+      <p:sp>
+        <p:nvSpPr>
+          <p:cNvPr id="3" name="Notes Placeholder 2"/>
+          <p:cNvSpPr>
+            <a:spLocks noGrp="1"/>
+          </p:cNvSpPr>
+          <p:nvPr>
+            <p:ph type="body" idx="1"/>
+          </p:nvPr>
+        </p:nvSpPr>
+        <p:spPr/>
+        <p:txBody>
+          <a:bodyPr/>
+          <a:lstStyle/>
+          <a:p>
+            <a:endParaRPr lang="en-US"/>
+          </a:p>
+        </p:txBody>
+      </p:sp>
+      <p:sp>
+        <p:nvSpPr>
+          <p:cNvPr id="4" name="Slide Number Placeholder 3"/>
+          <p:cNvSpPr>
+            <a:spLocks noGrp="1"/>
+          </p:cNvSpPr>
+          <p:nvPr>
+            <p:ph type="sldNum" sz="quarter" idx="10"/>
+          </p:nvPr>
+        </p:nvSpPr>
+        <p:spPr/>
+        <p:txBody>
+          <a:bodyPr/>
+          <a:lstStyle/>
+          <a:p>
+            <a:fld id="{C13B6488-2248-B64B-BC33-DF2A17950858}" type="slidenum">
+              <a:rPr lang="en-US" smtClean="0"/>
+              <a:t>13</a:t>
+            </a:fld>
+            <a:endParaRPr lang="en-US"/>
+          </a:p>
+        </p:txBody>
+      </p:sp>
+    </p:spTree>
+    <p:extLst>
+      <p:ext uri="{BB962C8B-B14F-4D97-AF65-F5344CB8AC3E}">
+        <p14:creationId xmlns:p14="http://schemas.microsoft.com/office/powerpoint/2010/main" val="1750175794"/>
+      </p:ext>
+    </p:extLst>
+  </p:cSld>
+  <p:clrMapOvr>
+    <a:masterClrMapping/>
+  </p:clrMapOvr>
+</p:notes>
+</file>
+
+<file path=ppt/notesSlides/notesSlide14.xml><?xml version="1.0" encoding="utf-8"?>
 <p:notes xmlns:a="http://schemas.openxmlformats.org/drawingml/2006/main" xmlns:r="http://schemas.openxmlformats.org/officeDocument/2006/relationships" xmlns:p="http://schemas.openxmlformats.org/presentationml/2006/main">
   <p:cSld>
     <p:spTree>
@@ -7020,7 +7104,7 @@
           <a:lstStyle/>
           <a:p>
             <a:r>
-              <a:rPr lang="en-US" cap="none" smtClean="0"/>
+              <a:rPr lang="en-US" cap="none" dirty="0" smtClean="0"/>
               <a:t> </a:t>
             </a:r>
             <a:endParaRPr lang="en-US" cap="none" dirty="0"/>

--- a/Documentation/MastersDefense.pptx
+++ b/Documentation/MastersDefense.pptx
@@ -1445,14 +1445,6 @@
           <a:bodyPr/>
           <a:lstStyle/>
           <a:p>
-            <a:r>
-              <a:rPr lang="en-US" dirty="0" smtClean="0"/>
-              <a:t>Add review of what happened</a:t>
-            </a:r>
-            <a:r>
-              <a:rPr lang="en-US" baseline="0" dirty="0" smtClean="0"/>
-              <a:t> over every iteration?</a:t>
-            </a:r>
             <a:endParaRPr lang="en-US" dirty="0"/>
           </a:p>
         </p:txBody>
@@ -8035,8 +8027,12 @@
           </a:p>
           <a:p>
             <a:r>
+              <a:rPr lang="en-US" smtClean="0"/>
+              <a:t>Ported relevant </a:t>
+            </a:r>
+            <a:r>
               <a:rPr lang="en-US" dirty="0" smtClean="0"/>
-              <a:t>Ported code from Iteration 0 into project</a:t>
+              <a:t>code from Iteration 0 into project</a:t>
             </a:r>
           </a:p>
           <a:p>
